--- a/kys.pptx
+++ b/kys.pptx
@@ -9,7 +9,9 @@
     <p:sldId id="257" r:id="rId3"/>
     <p:sldId id="258" r:id="rId4"/>
     <p:sldId id="259" r:id="rId5"/>
-    <p:sldId id="260" r:id="rId6"/>
+    <p:sldId id="261" r:id="rId6"/>
+    <p:sldId id="260" r:id="rId7"/>
+    <p:sldId id="262" r:id="rId8"/>
   </p:sldIdLst>
   <p:sldSz cx="12192000" cy="6858000"/>
   <p:notesSz cx="6858000" cy="9144000"/>
@@ -108,6 +110,11 @@
       </a:defRPr>
     </a:lvl9pPr>
   </p:defaultTextStyle>
+  <p:extLst>
+    <p:ext uri="{EFAFB233-063F-42B5-8137-9DF3F51BA10A}">
+      <p15:sldGuideLst xmlns:p15="http://schemas.microsoft.com/office/powerpoint/2012/main"/>
+    </p:ext>
+  </p:extLst>
 </p:presentation>
 </file>
 
@@ -297,7 +304,7 @@
             <a:fld id="{8E36636D-D922-432D-A958-524484B5923D}" type="datetimeFigureOut">
               <a:rPr lang="en-US" dirty="0"/>
               <a:pPr/>
-              <a:t>5/13/2019</a:t>
+              <a:t>5/15/2019</a:t>
             </a:fld>
             <a:endParaRPr lang="en-US" dirty="0"/>
           </a:p>
@@ -591,7 +598,7 @@
           <a:p>
             <a:fld id="{48A87A34-81AB-432B-8DAE-1953F412C126}" type="datetimeFigureOut">
               <a:rPr lang="en-US" dirty="0"/>
-              <a:t>5/13/2019</a:t>
+              <a:t>5/15/2019</a:t>
             </a:fld>
             <a:endParaRPr lang="en-US" dirty="0"/>
           </a:p>
@@ -778,7 +785,7 @@
           <a:p>
             <a:fld id="{48A87A34-81AB-432B-8DAE-1953F412C126}" type="datetimeFigureOut">
               <a:rPr lang="en-US" dirty="0"/>
-              <a:t>5/13/2019</a:t>
+              <a:t>5/15/2019</a:t>
             </a:fld>
             <a:endParaRPr lang="en-US" dirty="0"/>
           </a:p>
@@ -1034,7 +1041,7 @@
           <a:p>
             <a:fld id="{48A87A34-81AB-432B-8DAE-1953F412C126}" type="datetimeFigureOut">
               <a:rPr lang="en-US" dirty="0"/>
-              <a:t>5/13/2019</a:t>
+              <a:t>5/15/2019</a:t>
             </a:fld>
             <a:endParaRPr lang="en-US" dirty="0"/>
           </a:p>
@@ -1453,7 +1460,7 @@
           <a:p>
             <a:fld id="{48A87A34-81AB-432B-8DAE-1953F412C126}" type="datetimeFigureOut">
               <a:rPr lang="en-US" dirty="0"/>
-              <a:t>5/13/2019</a:t>
+              <a:t>5/15/2019</a:t>
             </a:fld>
             <a:endParaRPr lang="en-US" dirty="0"/>
           </a:p>
@@ -1985,7 +1992,7 @@
           <a:p>
             <a:fld id="{48A87A34-81AB-432B-8DAE-1953F412C126}" type="datetimeFigureOut">
               <a:rPr lang="en-US" dirty="0"/>
-              <a:t>5/13/2019</a:t>
+              <a:t>5/15/2019</a:t>
             </a:fld>
             <a:endParaRPr lang="en-US" dirty="0"/>
           </a:p>
@@ -2844,7 +2851,7 @@
           <a:p>
             <a:fld id="{48A87A34-81AB-432B-8DAE-1953F412C126}" type="datetimeFigureOut">
               <a:rPr lang="en-US" dirty="0"/>
-              <a:t>5/13/2019</a:t>
+              <a:t>5/15/2019</a:t>
             </a:fld>
             <a:endParaRPr lang="en-US" dirty="0"/>
           </a:p>
@@ -3010,7 +3017,7 @@
             <a:fld id="{8E36636D-D922-432D-A958-524484B5923D}" type="datetimeFigureOut">
               <a:rPr lang="en-US" dirty="0"/>
               <a:pPr/>
-              <a:t>5/13/2019</a:t>
+              <a:t>5/15/2019</a:t>
             </a:fld>
             <a:endParaRPr lang="en-US" dirty="0"/>
           </a:p>
@@ -3191,7 +3198,7 @@
             <a:fld id="{8E36636D-D922-432D-A958-524484B5923D}" type="datetimeFigureOut">
               <a:rPr lang="en-US" dirty="0"/>
               <a:pPr/>
-              <a:t>5/13/2019</a:t>
+              <a:t>5/15/2019</a:t>
             </a:fld>
             <a:endParaRPr lang="en-US" dirty="0"/>
           </a:p>
@@ -3358,7 +3365,7 @@
             <a:fld id="{8E36636D-D922-432D-A958-524484B5923D}" type="datetimeFigureOut">
               <a:rPr lang="en-US" dirty="0"/>
               <a:pPr/>
-              <a:t>5/13/2019</a:t>
+              <a:t>5/15/2019</a:t>
             </a:fld>
             <a:endParaRPr lang="en-US" dirty="0"/>
           </a:p>
@@ -3599,7 +3606,7 @@
             <a:fld id="{8E36636D-D922-432D-A958-524484B5923D}" type="datetimeFigureOut">
               <a:rPr lang="en-US" dirty="0"/>
               <a:pPr/>
-              <a:t>5/13/2019</a:t>
+              <a:t>5/15/2019</a:t>
             </a:fld>
             <a:endParaRPr lang="en-US" dirty="0"/>
           </a:p>
@@ -3832,7 +3839,7 @@
             <a:fld id="{8E36636D-D922-432D-A958-524484B5923D}" type="datetimeFigureOut">
               <a:rPr lang="en-US" dirty="0"/>
               <a:pPr/>
-              <a:t>5/13/2019</a:t>
+              <a:t>5/15/2019</a:t>
             </a:fld>
             <a:endParaRPr lang="en-US" dirty="0"/>
           </a:p>
@@ -4295,7 +4302,7 @@
             <a:fld id="{8E36636D-D922-432D-A958-524484B5923D}" type="datetimeFigureOut">
               <a:rPr lang="en-US" dirty="0"/>
               <a:pPr/>
-              <a:t>5/13/2019</a:t>
+              <a:t>5/15/2019</a:t>
             </a:fld>
             <a:endParaRPr lang="en-US" dirty="0"/>
           </a:p>
@@ -4410,7 +4417,7 @@
             <a:fld id="{8E36636D-D922-432D-A958-524484B5923D}" type="datetimeFigureOut">
               <a:rPr lang="en-US" dirty="0"/>
               <a:pPr/>
-              <a:t>5/13/2019</a:t>
+              <a:t>5/15/2019</a:t>
             </a:fld>
             <a:endParaRPr lang="en-US" dirty="0"/>
           </a:p>
@@ -4502,7 +4509,7 @@
             <a:fld id="{8E36636D-D922-432D-A958-524484B5923D}" type="datetimeFigureOut">
               <a:rPr lang="en-US" dirty="0"/>
               <a:pPr/>
-              <a:t>5/13/2019</a:t>
+              <a:t>5/15/2019</a:t>
             </a:fld>
             <a:endParaRPr lang="en-US" dirty="0"/>
           </a:p>
@@ -4754,7 +4761,7 @@
             <a:fld id="{8E36636D-D922-432D-A958-524484B5923D}" type="datetimeFigureOut">
               <a:rPr lang="en-US" dirty="0"/>
               <a:pPr/>
-              <a:t>5/13/2019</a:t>
+              <a:t>5/15/2019</a:t>
             </a:fld>
             <a:endParaRPr lang="en-US" dirty="0"/>
           </a:p>
@@ -5051,7 +5058,7 @@
             <a:fld id="{8E36636D-D922-432D-A958-524484B5923D}" type="datetimeFigureOut">
               <a:rPr lang="en-US" dirty="0"/>
               <a:pPr/>
-              <a:t>5/13/2019</a:t>
+              <a:t>5/15/2019</a:t>
             </a:fld>
             <a:endParaRPr lang="en-US" dirty="0"/>
           </a:p>
@@ -5282,7 +5289,7 @@
             <a:fld id="{8E36636D-D922-432D-A958-524484B5923D}" type="datetimeFigureOut">
               <a:rPr lang="en-US" dirty="0"/>
               <a:pPr/>
-              <a:t>5/13/2019</a:t>
+              <a:t>5/15/2019</a:t>
             </a:fld>
             <a:endParaRPr lang="en-US" dirty="0"/>
           </a:p>
@@ -6132,6 +6139,20 @@
               </a:rPr>
               <a:t>Программа просматривает список сотрудников и список их сертификаций, а также просматривает информацию о начислениях по зарплате. Программа также позволяет редактировать сотрудников, но под определенными правами. </a:t>
             </a:r>
+            <a:endParaRPr lang="ru-RU" dirty="0" smtClean="0">
+              <a:effectLst/>
+            </a:endParaRPr>
+          </a:p>
+          <a:p>
+            <a:r>
+              <a:rPr lang="ru-RU" dirty="0" smtClean="0">
+                <a:effectLst/>
+              </a:rPr>
+              <a:t>Добавить еще из задания</a:t>
+            </a:r>
+            <a:endParaRPr lang="ru-RU" dirty="0">
+              <a:effectLst/>
+            </a:endParaRPr>
           </a:p>
           <a:p>
             <a:endParaRPr lang="ru-RU" dirty="0"/>
@@ -6368,6 +6389,125 @@
           <a:bodyPr/>
           <a:lstStyle/>
           <a:p>
+            <a:r>
+              <a:rPr lang="ru-RU" dirty="0" smtClean="0"/>
+              <a:t>Тут про </a:t>
+            </a:r>
+            <a:r>
+              <a:rPr lang="en-US" dirty="0" err="1" smtClean="0"/>
+              <a:t>mvvm</a:t>
+            </a:r>
+            <a:endParaRPr lang="ru-RU" dirty="0"/>
+          </a:p>
+        </p:txBody>
+      </p:sp>
+      <p:sp>
+        <p:nvSpPr>
+          <p:cNvPr id="3" name="Объект 2"/>
+          <p:cNvSpPr>
+            <a:spLocks noGrp="1"/>
+          </p:cNvSpPr>
+          <p:nvPr>
+            <p:ph idx="1"/>
+          </p:nvPr>
+        </p:nvSpPr>
+        <p:spPr/>
+        <p:txBody>
+          <a:bodyPr/>
+          <a:lstStyle/>
+          <a:p>
+            <a:r>
+              <a:rPr lang="ru-RU" dirty="0" smtClean="0"/>
+              <a:t>Модель – это  моя </a:t>
+            </a:r>
+            <a:r>
+              <a:rPr lang="en-US" dirty="0" err="1" smtClean="0"/>
+              <a:t>edm</a:t>
+            </a:r>
+            <a:endParaRPr lang="en-US" dirty="0" smtClean="0"/>
+          </a:p>
+          <a:p>
+            <a:r>
+              <a:rPr lang="ru-RU" dirty="0" smtClean="0"/>
+              <a:t>И </a:t>
+            </a:r>
+            <a:r>
+              <a:rPr lang="ru-RU" dirty="0" err="1" smtClean="0"/>
+              <a:t>т.д</a:t>
+            </a:r>
+            <a:r>
+              <a:rPr lang="ru-RU" dirty="0" smtClean="0"/>
+              <a:t> взять </a:t>
+            </a:r>
+            <a:r>
+              <a:rPr lang="ru-RU" dirty="0" err="1" smtClean="0"/>
+              <a:t>скрин</a:t>
+            </a:r>
+            <a:r>
+              <a:rPr lang="ru-RU" dirty="0" smtClean="0"/>
+              <a:t> </a:t>
+            </a:r>
+            <a:r>
+              <a:rPr lang="en-US" dirty="0" err="1" smtClean="0"/>
+              <a:t>mvvm</a:t>
+            </a:r>
+            <a:r>
+              <a:rPr lang="en-US" dirty="0" smtClean="0"/>
+              <a:t> </a:t>
+            </a:r>
+            <a:r>
+              <a:rPr lang="ru-RU" dirty="0" err="1" smtClean="0"/>
+              <a:t>диаг</a:t>
+            </a:r>
+            <a:endParaRPr lang="ru-RU" dirty="0"/>
+          </a:p>
+        </p:txBody>
+      </p:sp>
+    </p:spTree>
+    <p:extLst>
+      <p:ext uri="{BB962C8B-B14F-4D97-AF65-F5344CB8AC3E}">
+        <p14:creationId xmlns:p14="http://schemas.microsoft.com/office/powerpoint/2010/main" val="2106119746"/>
+      </p:ext>
+    </p:extLst>
+  </p:cSld>
+  <p:clrMapOvr>
+    <a:masterClrMapping/>
+  </p:clrMapOvr>
+</p:sld>
+</file>
+
+<file path=ppt/slides/slide6.xml><?xml version="1.0" encoding="utf-8"?>
+<p:sld xmlns:a="http://schemas.openxmlformats.org/drawingml/2006/main" xmlns:r="http://schemas.openxmlformats.org/officeDocument/2006/relationships" xmlns:p="http://schemas.openxmlformats.org/presentationml/2006/main">
+  <p:cSld>
+    <p:spTree>
+      <p:nvGrpSpPr>
+        <p:cNvPr id="1" name=""/>
+        <p:cNvGrpSpPr/>
+        <p:nvPr/>
+      </p:nvGrpSpPr>
+      <p:grpSpPr>
+        <a:xfrm>
+          <a:off x="0" y="0"/>
+          <a:ext cx="0" cy="0"/>
+          <a:chOff x="0" y="0"/>
+          <a:chExt cx="0" cy="0"/>
+        </a:xfrm>
+      </p:grpSpPr>
+      <p:sp>
+        <p:nvSpPr>
+          <p:cNvPr id="2" name="Заголовок 1"/>
+          <p:cNvSpPr>
+            <a:spLocks noGrp="1"/>
+          </p:cNvSpPr>
+          <p:nvPr>
+            <p:ph type="title"/>
+          </p:nvPr>
+        </p:nvSpPr>
+        <p:spPr/>
+        <p:txBody>
+          <a:bodyPr/>
+          <a:lstStyle/>
+          <a:p>
             <a:pPr algn="l"/>
             <a:r>
               <a:rPr lang="ru-RU" dirty="0" smtClean="0"/>
@@ -6407,6 +6547,74 @@
     <p:extLst>
       <p:ext uri="{BB962C8B-B14F-4D97-AF65-F5344CB8AC3E}">
         <p14:creationId xmlns:p14="http://schemas.microsoft.com/office/powerpoint/2010/main" val="315787281"/>
+      </p:ext>
+    </p:extLst>
+  </p:cSld>
+  <p:clrMapOvr>
+    <a:masterClrMapping/>
+  </p:clrMapOvr>
+</p:sld>
+</file>
+
+<file path=ppt/slides/slide7.xml><?xml version="1.0" encoding="utf-8"?>
+<p:sld xmlns:a="http://schemas.openxmlformats.org/drawingml/2006/main" xmlns:r="http://schemas.openxmlformats.org/officeDocument/2006/relationships" xmlns:p="http://schemas.openxmlformats.org/presentationml/2006/main">
+  <p:cSld>
+    <p:spTree>
+      <p:nvGrpSpPr>
+        <p:cNvPr id="1" name=""/>
+        <p:cNvGrpSpPr/>
+        <p:nvPr/>
+      </p:nvGrpSpPr>
+      <p:grpSpPr>
+        <a:xfrm>
+          <a:off x="0" y="0"/>
+          <a:ext cx="0" cy="0"/>
+          <a:chOff x="0" y="0"/>
+          <a:chExt cx="0" cy="0"/>
+        </a:xfrm>
+      </p:grpSpPr>
+      <p:sp>
+        <p:nvSpPr>
+          <p:cNvPr id="2" name="Заголовок 1"/>
+          <p:cNvSpPr>
+            <a:spLocks noGrp="1"/>
+          </p:cNvSpPr>
+          <p:nvPr>
+            <p:ph type="title"/>
+          </p:nvPr>
+        </p:nvSpPr>
+        <p:spPr/>
+        <p:txBody>
+          <a:bodyPr/>
+          <a:lstStyle/>
+          <a:p>
+            <a:endParaRPr lang="ru-RU" dirty="0"/>
+          </a:p>
+        </p:txBody>
+      </p:sp>
+      <p:sp>
+        <p:nvSpPr>
+          <p:cNvPr id="3" name="Объект 2"/>
+          <p:cNvSpPr>
+            <a:spLocks noGrp="1"/>
+          </p:cNvSpPr>
+          <p:nvPr>
+            <p:ph idx="1"/>
+          </p:nvPr>
+        </p:nvSpPr>
+        <p:spPr/>
+        <p:txBody>
+          <a:bodyPr/>
+          <a:lstStyle/>
+          <a:p>
+            <a:endParaRPr lang="ru-RU"/>
+          </a:p>
+        </p:txBody>
+      </p:sp>
+    </p:spTree>
+    <p:extLst>
+      <p:ext uri="{BB962C8B-B14F-4D97-AF65-F5344CB8AC3E}">
+        <p14:creationId xmlns:p14="http://schemas.microsoft.com/office/powerpoint/2010/main" val="3648988237"/>
       </p:ext>
     </p:extLst>
   </p:cSld>

--- a/kys.pptx
+++ b/kys.pptx
@@ -11,7 +11,12 @@
     <p:sldId id="259" r:id="rId5"/>
     <p:sldId id="261" r:id="rId6"/>
     <p:sldId id="260" r:id="rId7"/>
-    <p:sldId id="262" r:id="rId8"/>
+    <p:sldId id="263" r:id="rId8"/>
+    <p:sldId id="262" r:id="rId9"/>
+    <p:sldId id="264" r:id="rId10"/>
+    <p:sldId id="267" r:id="rId11"/>
+    <p:sldId id="265" r:id="rId12"/>
+    <p:sldId id="266" r:id="rId13"/>
   </p:sldIdLst>
   <p:sldSz cx="12192000" cy="6858000"/>
   <p:notesSz cx="6858000" cy="9144000"/>
@@ -304,7 +309,7 @@
             <a:fld id="{8E36636D-D922-432D-A958-524484B5923D}" type="datetimeFigureOut">
               <a:rPr lang="en-US" dirty="0"/>
               <a:pPr/>
-              <a:t>5/15/2019</a:t>
+              <a:t>5/18/2019</a:t>
             </a:fld>
             <a:endParaRPr lang="en-US" dirty="0"/>
           </a:p>
@@ -598,7 +603,7 @@
           <a:p>
             <a:fld id="{48A87A34-81AB-432B-8DAE-1953F412C126}" type="datetimeFigureOut">
               <a:rPr lang="en-US" dirty="0"/>
-              <a:t>5/15/2019</a:t>
+              <a:t>5/18/2019</a:t>
             </a:fld>
             <a:endParaRPr lang="en-US" dirty="0"/>
           </a:p>
@@ -785,7 +790,7 @@
           <a:p>
             <a:fld id="{48A87A34-81AB-432B-8DAE-1953F412C126}" type="datetimeFigureOut">
               <a:rPr lang="en-US" dirty="0"/>
-              <a:t>5/15/2019</a:t>
+              <a:t>5/18/2019</a:t>
             </a:fld>
             <a:endParaRPr lang="en-US" dirty="0"/>
           </a:p>
@@ -1041,7 +1046,7 @@
           <a:p>
             <a:fld id="{48A87A34-81AB-432B-8DAE-1953F412C126}" type="datetimeFigureOut">
               <a:rPr lang="en-US" dirty="0"/>
-              <a:t>5/15/2019</a:t>
+              <a:t>5/18/2019</a:t>
             </a:fld>
             <a:endParaRPr lang="en-US" dirty="0"/>
           </a:p>
@@ -1460,7 +1465,7 @@
           <a:p>
             <a:fld id="{48A87A34-81AB-432B-8DAE-1953F412C126}" type="datetimeFigureOut">
               <a:rPr lang="en-US" dirty="0"/>
-              <a:t>5/15/2019</a:t>
+              <a:t>5/18/2019</a:t>
             </a:fld>
             <a:endParaRPr lang="en-US" dirty="0"/>
           </a:p>
@@ -1992,7 +1997,7 @@
           <a:p>
             <a:fld id="{48A87A34-81AB-432B-8DAE-1953F412C126}" type="datetimeFigureOut">
               <a:rPr lang="en-US" dirty="0"/>
-              <a:t>5/15/2019</a:t>
+              <a:t>5/18/2019</a:t>
             </a:fld>
             <a:endParaRPr lang="en-US" dirty="0"/>
           </a:p>
@@ -2851,7 +2856,7 @@
           <a:p>
             <a:fld id="{48A87A34-81AB-432B-8DAE-1953F412C126}" type="datetimeFigureOut">
               <a:rPr lang="en-US" dirty="0"/>
-              <a:t>5/15/2019</a:t>
+              <a:t>5/18/2019</a:t>
             </a:fld>
             <a:endParaRPr lang="en-US" dirty="0"/>
           </a:p>
@@ -3017,7 +3022,7 @@
             <a:fld id="{8E36636D-D922-432D-A958-524484B5923D}" type="datetimeFigureOut">
               <a:rPr lang="en-US" dirty="0"/>
               <a:pPr/>
-              <a:t>5/15/2019</a:t>
+              <a:t>5/18/2019</a:t>
             </a:fld>
             <a:endParaRPr lang="en-US" dirty="0"/>
           </a:p>
@@ -3198,7 +3203,7 @@
             <a:fld id="{8E36636D-D922-432D-A958-524484B5923D}" type="datetimeFigureOut">
               <a:rPr lang="en-US" dirty="0"/>
               <a:pPr/>
-              <a:t>5/15/2019</a:t>
+              <a:t>5/18/2019</a:t>
             </a:fld>
             <a:endParaRPr lang="en-US" dirty="0"/>
           </a:p>
@@ -3365,7 +3370,7 @@
             <a:fld id="{8E36636D-D922-432D-A958-524484B5923D}" type="datetimeFigureOut">
               <a:rPr lang="en-US" dirty="0"/>
               <a:pPr/>
-              <a:t>5/15/2019</a:t>
+              <a:t>5/18/2019</a:t>
             </a:fld>
             <a:endParaRPr lang="en-US" dirty="0"/>
           </a:p>
@@ -3606,7 +3611,7 @@
             <a:fld id="{8E36636D-D922-432D-A958-524484B5923D}" type="datetimeFigureOut">
               <a:rPr lang="en-US" dirty="0"/>
               <a:pPr/>
-              <a:t>5/15/2019</a:t>
+              <a:t>5/18/2019</a:t>
             </a:fld>
             <a:endParaRPr lang="en-US" dirty="0"/>
           </a:p>
@@ -3839,7 +3844,7 @@
             <a:fld id="{8E36636D-D922-432D-A958-524484B5923D}" type="datetimeFigureOut">
               <a:rPr lang="en-US" dirty="0"/>
               <a:pPr/>
-              <a:t>5/15/2019</a:t>
+              <a:t>5/18/2019</a:t>
             </a:fld>
             <a:endParaRPr lang="en-US" dirty="0"/>
           </a:p>
@@ -4302,7 +4307,7 @@
             <a:fld id="{8E36636D-D922-432D-A958-524484B5923D}" type="datetimeFigureOut">
               <a:rPr lang="en-US" dirty="0"/>
               <a:pPr/>
-              <a:t>5/15/2019</a:t>
+              <a:t>5/18/2019</a:t>
             </a:fld>
             <a:endParaRPr lang="en-US" dirty="0"/>
           </a:p>
@@ -4417,7 +4422,7 @@
             <a:fld id="{8E36636D-D922-432D-A958-524484B5923D}" type="datetimeFigureOut">
               <a:rPr lang="en-US" dirty="0"/>
               <a:pPr/>
-              <a:t>5/15/2019</a:t>
+              <a:t>5/18/2019</a:t>
             </a:fld>
             <a:endParaRPr lang="en-US" dirty="0"/>
           </a:p>
@@ -4509,7 +4514,7 @@
             <a:fld id="{8E36636D-D922-432D-A958-524484B5923D}" type="datetimeFigureOut">
               <a:rPr lang="en-US" dirty="0"/>
               <a:pPr/>
-              <a:t>5/15/2019</a:t>
+              <a:t>5/18/2019</a:t>
             </a:fld>
             <a:endParaRPr lang="en-US" dirty="0"/>
           </a:p>
@@ -4761,7 +4766,7 @@
             <a:fld id="{8E36636D-D922-432D-A958-524484B5923D}" type="datetimeFigureOut">
               <a:rPr lang="en-US" dirty="0"/>
               <a:pPr/>
-              <a:t>5/15/2019</a:t>
+              <a:t>5/18/2019</a:t>
             </a:fld>
             <a:endParaRPr lang="en-US" dirty="0"/>
           </a:p>
@@ -5058,7 +5063,7 @@
             <a:fld id="{8E36636D-D922-432D-A958-524484B5923D}" type="datetimeFigureOut">
               <a:rPr lang="en-US" dirty="0"/>
               <a:pPr/>
-              <a:t>5/15/2019</a:t>
+              <a:t>5/18/2019</a:t>
             </a:fld>
             <a:endParaRPr lang="en-US" dirty="0"/>
           </a:p>
@@ -5289,7 +5294,7 @@
             <a:fld id="{8E36636D-D922-432D-A958-524484B5923D}" type="datetimeFigureOut">
               <a:rPr lang="en-US" dirty="0"/>
               <a:pPr/>
-              <a:t>5/15/2019</a:t>
+              <a:t>5/18/2019</a:t>
             </a:fld>
             <a:endParaRPr lang="en-US" dirty="0"/>
           </a:p>
@@ -6075,6 +6080,723 @@
 </p:sld>
 </file>
 
+<file path=ppt/slides/slide10.xml><?xml version="1.0" encoding="utf-8"?>
+<p:sld xmlns:a="http://schemas.openxmlformats.org/drawingml/2006/main" xmlns:r="http://schemas.openxmlformats.org/officeDocument/2006/relationships" xmlns:p="http://schemas.openxmlformats.org/presentationml/2006/main">
+  <p:cSld>
+    <p:spTree>
+      <p:nvGrpSpPr>
+        <p:cNvPr id="1" name=""/>
+        <p:cNvGrpSpPr/>
+        <p:nvPr/>
+      </p:nvGrpSpPr>
+      <p:grpSpPr>
+        <a:xfrm>
+          <a:off x="0" y="0"/>
+          <a:ext cx="0" cy="0"/>
+          <a:chOff x="0" y="0"/>
+          <a:chExt cx="0" cy="0"/>
+        </a:xfrm>
+      </p:grpSpPr>
+      <p:pic>
+        <p:nvPicPr>
+          <p:cNvPr id="4" name="Рисунок 3"/>
+          <p:cNvPicPr/>
+          <p:nvPr/>
+        </p:nvPicPr>
+        <p:blipFill>
+          <a:blip r:embed="rId2"/>
+          <a:stretch>
+            <a:fillRect/>
+          </a:stretch>
+        </p:blipFill>
+        <p:spPr>
+          <a:xfrm>
+            <a:off x="865822" y="553720"/>
+            <a:ext cx="4726305" cy="2854960"/>
+          </a:xfrm>
+          <a:prstGeom prst="rect">
+            <a:avLst/>
+          </a:prstGeom>
+        </p:spPr>
+      </p:pic>
+      <p:pic>
+        <p:nvPicPr>
+          <p:cNvPr id="5" name="Рисунок 4"/>
+          <p:cNvPicPr/>
+          <p:nvPr/>
+        </p:nvPicPr>
+        <p:blipFill>
+          <a:blip r:embed="rId3"/>
+          <a:stretch>
+            <a:fillRect/>
+          </a:stretch>
+        </p:blipFill>
+        <p:spPr>
+          <a:xfrm>
+            <a:off x="6398536" y="1205890"/>
+            <a:ext cx="4450439" cy="3176270"/>
+          </a:xfrm>
+          <a:prstGeom prst="rect">
+            <a:avLst/>
+          </a:prstGeom>
+        </p:spPr>
+      </p:pic>
+      <p:sp>
+        <p:nvSpPr>
+          <p:cNvPr id="7" name="Заголовок 1"/>
+          <p:cNvSpPr txBox="1">
+            <a:spLocks/>
+          </p:cNvSpPr>
+          <p:nvPr/>
+        </p:nvSpPr>
+        <p:spPr>
+          <a:xfrm>
+            <a:off x="1015940" y="4867935"/>
+            <a:ext cx="10353762" cy="970450"/>
+          </a:xfrm>
+          <a:prstGeom prst="rect">
+            <a:avLst/>
+          </a:prstGeom>
+          <a:effectLst>
+            <a:outerShdw blurRad="25400" dir="17880000">
+              <a:srgbClr val="000000">
+                <a:alpha val="46000"/>
+              </a:srgbClr>
+            </a:outerShdw>
+          </a:effectLst>
+        </p:spPr>
+        <p:txBody>
+          <a:bodyPr vert="horz" lIns="91440" tIns="45720" rIns="91440" bIns="45720" rtlCol="0" anchor="ctr">
+            <a:normAutofit fontScale="85000" lnSpcReduction="10000"/>
+          </a:bodyPr>
+          <a:lstStyle>
+            <a:lvl1pPr algn="ctr" defTabSz="457200" rtl="0" eaLnBrk="1" latinLnBrk="0" hangingPunct="1">
+              <a:spcBef>
+                <a:spcPct val="0"/>
+              </a:spcBef>
+              <a:buNone/>
+              <a:defRPr sz="4000" kern="1200">
+                <a:ln>
+                  <a:solidFill>
+                    <a:schemeClr val="bg1">
+                      <a:lumMod val="75000"/>
+                      <a:lumOff val="25000"/>
+                      <a:alpha val="10000"/>
+                    </a:schemeClr>
+                  </a:solidFill>
+                </a:ln>
+                <a:solidFill>
+                  <a:schemeClr val="tx2"/>
+                </a:solidFill>
+                <a:effectLst>
+                  <a:outerShdw blurRad="9525" dist="25400" dir="14640000" algn="tl" rotWithShape="0">
+                    <a:schemeClr val="bg1">
+                      <a:alpha val="30000"/>
+                    </a:schemeClr>
+                  </a:outerShdw>
+                </a:effectLst>
+                <a:latin typeface="+mj-lt"/>
+                <a:ea typeface="+mj-ea"/>
+                <a:cs typeface="Trebuchet MS"/>
+              </a:defRPr>
+            </a:lvl1pPr>
+            <a:lvl2pPr eaLnBrk="1" hangingPunct="1">
+              <a:defRPr>
+                <a:solidFill>
+                  <a:schemeClr val="tx2"/>
+                </a:solidFill>
+              </a:defRPr>
+            </a:lvl2pPr>
+            <a:lvl3pPr eaLnBrk="1" hangingPunct="1">
+              <a:defRPr>
+                <a:solidFill>
+                  <a:schemeClr val="tx2"/>
+                </a:solidFill>
+              </a:defRPr>
+            </a:lvl3pPr>
+            <a:lvl4pPr eaLnBrk="1" hangingPunct="1">
+              <a:defRPr>
+                <a:solidFill>
+                  <a:schemeClr val="tx2"/>
+                </a:solidFill>
+              </a:defRPr>
+            </a:lvl4pPr>
+            <a:lvl5pPr eaLnBrk="1" hangingPunct="1">
+              <a:defRPr>
+                <a:solidFill>
+                  <a:schemeClr val="tx2"/>
+                </a:solidFill>
+              </a:defRPr>
+            </a:lvl5pPr>
+            <a:lvl6pPr eaLnBrk="1" hangingPunct="1">
+              <a:defRPr>
+                <a:solidFill>
+                  <a:schemeClr val="tx2"/>
+                </a:solidFill>
+              </a:defRPr>
+            </a:lvl6pPr>
+            <a:lvl7pPr eaLnBrk="1" hangingPunct="1">
+              <a:defRPr>
+                <a:solidFill>
+                  <a:schemeClr val="tx2"/>
+                </a:solidFill>
+              </a:defRPr>
+            </a:lvl7pPr>
+            <a:lvl8pPr eaLnBrk="1" hangingPunct="1">
+              <a:defRPr>
+                <a:solidFill>
+                  <a:schemeClr val="tx2"/>
+                </a:solidFill>
+              </a:defRPr>
+            </a:lvl8pPr>
+            <a:lvl9pPr eaLnBrk="1" hangingPunct="1">
+              <a:defRPr>
+                <a:solidFill>
+                  <a:schemeClr val="tx2"/>
+                </a:solidFill>
+              </a:defRPr>
+            </a:lvl9pPr>
+          </a:lstStyle>
+          <a:p>
+            <a:pPr algn="l"/>
+            <a:r>
+              <a:rPr lang="ru-RU" sz="2800" dirty="0" smtClean="0"/>
+              <a:t>Чтобы просмотреть подробную информацию о сотруднике</a:t>
+            </a:r>
+          </a:p>
+          <a:p>
+            <a:pPr algn="l"/>
+            <a:r>
+              <a:rPr lang="ru-RU" sz="2800" dirty="0" smtClean="0"/>
+              <a:t>необходимо выполнить двойной щелчок по панельки с сотрудником</a:t>
+            </a:r>
+            <a:endParaRPr lang="ru-RU" sz="2800" dirty="0"/>
+          </a:p>
+        </p:txBody>
+      </p:sp>
+      <p:sp>
+        <p:nvSpPr>
+          <p:cNvPr id="8" name="Двойная стрелка влево/вправо 7"/>
+          <p:cNvSpPr/>
+          <p:nvPr/>
+        </p:nvSpPr>
+        <p:spPr>
+          <a:xfrm>
+            <a:off x="4848225" y="2409826"/>
+            <a:ext cx="2000250" cy="95250"/>
+          </a:xfrm>
+          <a:prstGeom prst="leftRightArrow">
+            <a:avLst/>
+          </a:prstGeom>
+          <a:solidFill>
+            <a:srgbClr val="FF0000"/>
+          </a:solidFill>
+          <a:ln>
+            <a:solidFill>
+              <a:srgbClr val="FF0000"/>
+            </a:solidFill>
+          </a:ln>
+        </p:spPr>
+        <p:style>
+          <a:lnRef idx="2">
+            <a:schemeClr val="accent1">
+              <a:shade val="50000"/>
+            </a:schemeClr>
+          </a:lnRef>
+          <a:fillRef idx="1">
+            <a:schemeClr val="accent1"/>
+          </a:fillRef>
+          <a:effectRef idx="0">
+            <a:schemeClr val="accent1"/>
+          </a:effectRef>
+          <a:fontRef idx="minor">
+            <a:schemeClr val="lt1"/>
+          </a:fontRef>
+        </p:style>
+        <p:txBody>
+          <a:bodyPr rtlCol="0" anchor="ctr"/>
+          <a:lstStyle/>
+          <a:p>
+            <a:pPr algn="ctr"/>
+            <a:endParaRPr lang="ru-RU"/>
+          </a:p>
+        </p:txBody>
+      </p:sp>
+    </p:spTree>
+    <p:extLst>
+      <p:ext uri="{BB962C8B-B14F-4D97-AF65-F5344CB8AC3E}">
+        <p14:creationId xmlns:p14="http://schemas.microsoft.com/office/powerpoint/2010/main" val="2543056877"/>
+      </p:ext>
+    </p:extLst>
+  </p:cSld>
+  <p:clrMapOvr>
+    <a:masterClrMapping/>
+  </p:clrMapOvr>
+</p:sld>
+</file>
+
+<file path=ppt/slides/slide11.xml><?xml version="1.0" encoding="utf-8"?>
+<p:sld xmlns:a="http://schemas.openxmlformats.org/drawingml/2006/main" xmlns:r="http://schemas.openxmlformats.org/officeDocument/2006/relationships" xmlns:p="http://schemas.openxmlformats.org/presentationml/2006/main">
+  <p:cSld>
+    <p:spTree>
+      <p:nvGrpSpPr>
+        <p:cNvPr id="1" name=""/>
+        <p:cNvGrpSpPr/>
+        <p:nvPr/>
+      </p:nvGrpSpPr>
+      <p:grpSpPr>
+        <a:xfrm>
+          <a:off x="0" y="0"/>
+          <a:ext cx="0" cy="0"/>
+          <a:chOff x="0" y="0"/>
+          <a:chExt cx="0" cy="0"/>
+        </a:xfrm>
+      </p:grpSpPr>
+      <p:pic>
+        <p:nvPicPr>
+          <p:cNvPr id="4" name="Рисунок 3"/>
+          <p:cNvPicPr/>
+          <p:nvPr/>
+        </p:nvPicPr>
+        <p:blipFill>
+          <a:blip r:embed="rId2"/>
+          <a:stretch>
+            <a:fillRect/>
+          </a:stretch>
+        </p:blipFill>
+        <p:spPr>
+          <a:xfrm>
+            <a:off x="766486" y="297946"/>
+            <a:ext cx="6448232" cy="4448380"/>
+          </a:xfrm>
+          <a:prstGeom prst="rect">
+            <a:avLst/>
+          </a:prstGeom>
+        </p:spPr>
+      </p:pic>
+      <p:sp>
+        <p:nvSpPr>
+          <p:cNvPr id="6" name="Заголовок 1"/>
+          <p:cNvSpPr>
+            <a:spLocks noGrp="1"/>
+          </p:cNvSpPr>
+          <p:nvPr>
+            <p:ph type="title"/>
+          </p:nvPr>
+        </p:nvSpPr>
+        <p:spPr>
+          <a:xfrm>
+            <a:off x="1235126" y="5060804"/>
+            <a:ext cx="10353762" cy="970450"/>
+          </a:xfrm>
+        </p:spPr>
+        <p:txBody>
+          <a:bodyPr>
+            <a:normAutofit/>
+          </a:bodyPr>
+          <a:lstStyle/>
+          <a:p>
+            <a:pPr algn="l"/>
+            <a:r>
+              <a:rPr lang="ru-RU" sz="2800" dirty="0" smtClean="0"/>
+              <a:t>Для редактирования сотрудника, необходимо клацнуть</a:t>
+            </a:r>
+            <a:br>
+              <a:rPr lang="ru-RU" sz="2800" dirty="0" smtClean="0"/>
+            </a:br>
+            <a:r>
+              <a:rPr lang="ru-RU" sz="2800" dirty="0" smtClean="0"/>
+              <a:t>на «карандашик»</a:t>
+            </a:r>
+            <a:endParaRPr lang="ru-RU" sz="2800" dirty="0"/>
+          </a:p>
+        </p:txBody>
+      </p:sp>
+      <p:sp>
+        <p:nvSpPr>
+          <p:cNvPr id="7" name="Овал 6"/>
+          <p:cNvSpPr/>
+          <p:nvPr/>
+        </p:nvSpPr>
+        <p:spPr>
+          <a:xfrm>
+            <a:off x="1822991" y="2467367"/>
+            <a:ext cx="221063" cy="211016"/>
+          </a:xfrm>
+          <a:prstGeom prst="ellipse">
+            <a:avLst/>
+          </a:prstGeom>
+          <a:noFill/>
+          <a:ln>
+            <a:solidFill>
+              <a:srgbClr val="FF0000"/>
+            </a:solidFill>
+          </a:ln>
+        </p:spPr>
+        <p:style>
+          <a:lnRef idx="2">
+            <a:schemeClr val="accent1">
+              <a:shade val="50000"/>
+            </a:schemeClr>
+          </a:lnRef>
+          <a:fillRef idx="1">
+            <a:schemeClr val="accent1"/>
+          </a:fillRef>
+          <a:effectRef idx="0">
+            <a:schemeClr val="accent1"/>
+          </a:effectRef>
+          <a:fontRef idx="minor">
+            <a:schemeClr val="lt1"/>
+          </a:fontRef>
+        </p:style>
+        <p:txBody>
+          <a:bodyPr rtlCol="0" anchor="ctr"/>
+          <a:lstStyle/>
+          <a:p>
+            <a:pPr algn="ctr"/>
+            <a:endParaRPr lang="ru-RU"/>
+          </a:p>
+        </p:txBody>
+      </p:sp>
+      <p:sp>
+        <p:nvSpPr>
+          <p:cNvPr id="8" name="Стрелка вправо 7"/>
+          <p:cNvSpPr/>
+          <p:nvPr/>
+        </p:nvSpPr>
+        <p:spPr>
+          <a:xfrm>
+            <a:off x="1473200" y="2541125"/>
+            <a:ext cx="279400" cy="63500"/>
+          </a:xfrm>
+          <a:prstGeom prst="rightArrow">
+            <a:avLst/>
+          </a:prstGeom>
+          <a:solidFill>
+            <a:srgbClr val="FF0000"/>
+          </a:solidFill>
+          <a:ln>
+            <a:solidFill>
+              <a:srgbClr val="FF0000"/>
+            </a:solidFill>
+          </a:ln>
+        </p:spPr>
+        <p:style>
+          <a:lnRef idx="2">
+            <a:schemeClr val="accent1">
+              <a:shade val="50000"/>
+            </a:schemeClr>
+          </a:lnRef>
+          <a:fillRef idx="1">
+            <a:schemeClr val="accent1"/>
+          </a:fillRef>
+          <a:effectRef idx="0">
+            <a:schemeClr val="accent1"/>
+          </a:effectRef>
+          <a:fontRef idx="minor">
+            <a:schemeClr val="lt1"/>
+          </a:fontRef>
+        </p:style>
+        <p:txBody>
+          <a:bodyPr rtlCol="0" anchor="ctr"/>
+          <a:lstStyle/>
+          <a:p>
+            <a:pPr algn="ctr"/>
+            <a:endParaRPr lang="ru-RU"/>
+          </a:p>
+        </p:txBody>
+      </p:sp>
+    </p:spTree>
+    <p:extLst>
+      <p:ext uri="{BB962C8B-B14F-4D97-AF65-F5344CB8AC3E}">
+        <p14:creationId xmlns:p14="http://schemas.microsoft.com/office/powerpoint/2010/main" val="1422377390"/>
+      </p:ext>
+    </p:extLst>
+  </p:cSld>
+  <p:clrMapOvr>
+    <a:masterClrMapping/>
+  </p:clrMapOvr>
+</p:sld>
+</file>
+
+<file path=ppt/slides/slide12.xml><?xml version="1.0" encoding="utf-8"?>
+<p:sld xmlns:a="http://schemas.openxmlformats.org/drawingml/2006/main" xmlns:r="http://schemas.openxmlformats.org/officeDocument/2006/relationships" xmlns:p="http://schemas.openxmlformats.org/presentationml/2006/main">
+  <p:cSld>
+    <p:spTree>
+      <p:nvGrpSpPr>
+        <p:cNvPr id="1" name=""/>
+        <p:cNvGrpSpPr/>
+        <p:nvPr/>
+      </p:nvGrpSpPr>
+      <p:grpSpPr>
+        <a:xfrm>
+          <a:off x="0" y="0"/>
+          <a:ext cx="0" cy="0"/>
+          <a:chOff x="0" y="0"/>
+          <a:chExt cx="0" cy="0"/>
+        </a:xfrm>
+      </p:grpSpPr>
+      <p:pic>
+        <p:nvPicPr>
+          <p:cNvPr id="4" name="Рисунок 3"/>
+          <p:cNvPicPr/>
+          <p:nvPr/>
+        </p:nvPicPr>
+        <p:blipFill>
+          <a:blip r:embed="rId2"/>
+          <a:stretch>
+            <a:fillRect/>
+          </a:stretch>
+        </p:blipFill>
+        <p:spPr>
+          <a:xfrm>
+            <a:off x="1235126" y="270510"/>
+            <a:ext cx="8977630" cy="4337000"/>
+          </a:xfrm>
+          <a:prstGeom prst="rect">
+            <a:avLst/>
+          </a:prstGeom>
+        </p:spPr>
+      </p:pic>
+      <p:sp>
+        <p:nvSpPr>
+          <p:cNvPr id="5" name="Заголовок 1"/>
+          <p:cNvSpPr txBox="1">
+            <a:spLocks/>
+          </p:cNvSpPr>
+          <p:nvPr/>
+        </p:nvSpPr>
+        <p:spPr>
+          <a:xfrm>
+            <a:off x="1235126" y="5060804"/>
+            <a:ext cx="10353762" cy="970450"/>
+          </a:xfrm>
+          <a:prstGeom prst="rect">
+            <a:avLst/>
+          </a:prstGeom>
+          <a:effectLst>
+            <a:outerShdw blurRad="25400" dir="17880000">
+              <a:srgbClr val="000000">
+                <a:alpha val="46000"/>
+              </a:srgbClr>
+            </a:outerShdw>
+          </a:effectLst>
+        </p:spPr>
+        <p:txBody>
+          <a:bodyPr vert="horz" lIns="91440" tIns="45720" rIns="91440" bIns="45720" rtlCol="0" anchor="ctr">
+            <a:normAutofit lnSpcReduction="10000"/>
+          </a:bodyPr>
+          <a:lstStyle>
+            <a:lvl1pPr algn="ctr" defTabSz="457200" rtl="0" eaLnBrk="1" latinLnBrk="0" hangingPunct="1">
+              <a:spcBef>
+                <a:spcPct val="0"/>
+              </a:spcBef>
+              <a:buNone/>
+              <a:defRPr sz="4000" kern="1200">
+                <a:ln>
+                  <a:solidFill>
+                    <a:schemeClr val="bg1">
+                      <a:lumMod val="75000"/>
+                      <a:lumOff val="25000"/>
+                      <a:alpha val="10000"/>
+                    </a:schemeClr>
+                  </a:solidFill>
+                </a:ln>
+                <a:solidFill>
+                  <a:schemeClr val="tx2"/>
+                </a:solidFill>
+                <a:effectLst>
+                  <a:outerShdw blurRad="9525" dist="25400" dir="14640000" algn="tl" rotWithShape="0">
+                    <a:schemeClr val="bg1">
+                      <a:alpha val="30000"/>
+                    </a:schemeClr>
+                  </a:outerShdw>
+                </a:effectLst>
+                <a:latin typeface="+mj-lt"/>
+                <a:ea typeface="+mj-ea"/>
+                <a:cs typeface="Trebuchet MS"/>
+              </a:defRPr>
+            </a:lvl1pPr>
+            <a:lvl2pPr eaLnBrk="1" hangingPunct="1">
+              <a:defRPr>
+                <a:solidFill>
+                  <a:schemeClr val="tx2"/>
+                </a:solidFill>
+              </a:defRPr>
+            </a:lvl2pPr>
+            <a:lvl3pPr eaLnBrk="1" hangingPunct="1">
+              <a:defRPr>
+                <a:solidFill>
+                  <a:schemeClr val="tx2"/>
+                </a:solidFill>
+              </a:defRPr>
+            </a:lvl3pPr>
+            <a:lvl4pPr eaLnBrk="1" hangingPunct="1">
+              <a:defRPr>
+                <a:solidFill>
+                  <a:schemeClr val="tx2"/>
+                </a:solidFill>
+              </a:defRPr>
+            </a:lvl4pPr>
+            <a:lvl5pPr eaLnBrk="1" hangingPunct="1">
+              <a:defRPr>
+                <a:solidFill>
+                  <a:schemeClr val="tx2"/>
+                </a:solidFill>
+              </a:defRPr>
+            </a:lvl5pPr>
+            <a:lvl6pPr eaLnBrk="1" hangingPunct="1">
+              <a:defRPr>
+                <a:solidFill>
+                  <a:schemeClr val="tx2"/>
+                </a:solidFill>
+              </a:defRPr>
+            </a:lvl6pPr>
+            <a:lvl7pPr eaLnBrk="1" hangingPunct="1">
+              <a:defRPr>
+                <a:solidFill>
+                  <a:schemeClr val="tx2"/>
+                </a:solidFill>
+              </a:defRPr>
+            </a:lvl7pPr>
+            <a:lvl8pPr eaLnBrk="1" hangingPunct="1">
+              <a:defRPr>
+                <a:solidFill>
+                  <a:schemeClr val="tx2"/>
+                </a:solidFill>
+              </a:defRPr>
+            </a:lvl8pPr>
+            <a:lvl9pPr eaLnBrk="1" hangingPunct="1">
+              <a:defRPr>
+                <a:solidFill>
+                  <a:schemeClr val="tx2"/>
+                </a:solidFill>
+              </a:defRPr>
+            </a:lvl9pPr>
+          </a:lstStyle>
+          <a:p>
+            <a:pPr algn="l"/>
+            <a:r>
+              <a:rPr lang="ru-RU" sz="2800" dirty="0" smtClean="0"/>
+              <a:t>Если пользователь вошел как </a:t>
+            </a:r>
+            <a:r>
+              <a:rPr lang="en-US" sz="2800" dirty="0" smtClean="0"/>
+              <a:t>director</a:t>
+            </a:r>
+            <a:r>
+              <a:rPr lang="ru-RU" sz="2800" dirty="0" smtClean="0"/>
+              <a:t>, ф-</a:t>
+            </a:r>
+            <a:r>
+              <a:rPr lang="ru-RU" sz="2800" dirty="0" err="1" smtClean="0"/>
+              <a:t>ции</a:t>
+            </a:r>
+            <a:r>
+              <a:rPr lang="ru-RU" sz="2800" dirty="0" smtClean="0"/>
+              <a:t> редактирования</a:t>
+            </a:r>
+          </a:p>
+          <a:p>
+            <a:pPr algn="l"/>
+            <a:r>
+              <a:rPr lang="ru-RU" sz="2800" dirty="0" smtClean="0"/>
+              <a:t>и добавления сотрудников </a:t>
+            </a:r>
+            <a:r>
+              <a:rPr lang="ru-RU" sz="3200" b="1" dirty="0" smtClean="0"/>
+              <a:t>не доступны</a:t>
+            </a:r>
+            <a:endParaRPr lang="ru-RU" sz="3200" b="1" dirty="0"/>
+          </a:p>
+        </p:txBody>
+      </p:sp>
+      <p:cxnSp>
+        <p:nvCxnSpPr>
+          <p:cNvPr id="7" name="Прямая со стрелкой 6"/>
+          <p:cNvCxnSpPr/>
+          <p:nvPr/>
+        </p:nvCxnSpPr>
+        <p:spPr>
+          <a:xfrm>
+            <a:off x="4238625" y="2676525"/>
+            <a:ext cx="381000" cy="200025"/>
+          </a:xfrm>
+          <a:prstGeom prst="straightConnector1">
+            <a:avLst/>
+          </a:prstGeom>
+          <a:ln>
+            <a:solidFill>
+              <a:srgbClr val="FF0000"/>
+            </a:solidFill>
+            <a:headEnd type="triangle"/>
+            <a:tailEnd type="triangle"/>
+          </a:ln>
+        </p:spPr>
+        <p:style>
+          <a:lnRef idx="1">
+            <a:schemeClr val="accent1"/>
+          </a:lnRef>
+          <a:fillRef idx="0">
+            <a:schemeClr val="accent1"/>
+          </a:fillRef>
+          <a:effectRef idx="0">
+            <a:schemeClr val="accent1"/>
+          </a:effectRef>
+          <a:fontRef idx="minor">
+            <a:schemeClr val="tx1"/>
+          </a:fontRef>
+        </p:style>
+      </p:cxnSp>
+      <p:cxnSp>
+        <p:nvCxnSpPr>
+          <p:cNvPr id="9" name="Прямая со стрелкой 8"/>
+          <p:cNvCxnSpPr/>
+          <p:nvPr/>
+        </p:nvCxnSpPr>
+        <p:spPr>
+          <a:xfrm>
+            <a:off x="7553325" y="3352800"/>
+            <a:ext cx="9525" cy="352425"/>
+          </a:xfrm>
+          <a:prstGeom prst="straightConnector1">
+            <a:avLst/>
+          </a:prstGeom>
+          <a:ln>
+            <a:solidFill>
+              <a:srgbClr val="FF0000"/>
+            </a:solidFill>
+            <a:tailEnd type="triangle"/>
+          </a:ln>
+        </p:spPr>
+        <p:style>
+          <a:lnRef idx="1">
+            <a:schemeClr val="accent1"/>
+          </a:lnRef>
+          <a:fillRef idx="0">
+            <a:schemeClr val="accent1"/>
+          </a:fillRef>
+          <a:effectRef idx="0">
+            <a:schemeClr val="accent1"/>
+          </a:effectRef>
+          <a:fontRef idx="minor">
+            <a:schemeClr val="tx1"/>
+          </a:fontRef>
+        </p:style>
+      </p:cxnSp>
+    </p:spTree>
+    <p:extLst>
+      <p:ext uri="{BB962C8B-B14F-4D97-AF65-F5344CB8AC3E}">
+        <p14:creationId xmlns:p14="http://schemas.microsoft.com/office/powerpoint/2010/main" val="2277775793"/>
+      </p:ext>
+    </p:extLst>
+  </p:cSld>
+  <p:clrMapOvr>
+    <a:masterClrMapping/>
+  </p:clrMapOvr>
+</p:sld>
+</file>
+
 <file path=ppt/slides/slide2.xml><?xml version="1.0" encoding="utf-8"?>
 <p:sld xmlns:a="http://schemas.openxmlformats.org/drawingml/2006/main" xmlns:r="http://schemas.openxmlformats.org/officeDocument/2006/relationships" xmlns:p="http://schemas.openxmlformats.org/presentationml/2006/main">
   <p:cSld>
@@ -6104,17 +6826,17 @@
         </p:nvSpPr>
         <p:spPr/>
         <p:txBody>
-          <a:bodyPr/>
+          <a:bodyPr>
+            <a:normAutofit/>
+          </a:bodyPr>
           <a:lstStyle/>
           <a:p>
-            <a:pPr algn="l"/>
-            <a:r>
-              <a:rPr lang="ru-RU" b="1" dirty="0">
-                <a:effectLst/>
-              </a:rPr>
-              <a:t>Постановка задачи</a:t>
-            </a:r>
-            <a:endParaRPr lang="ru-RU" dirty="0"/>
+            <a:pPr lvl="1"/>
+            <a:r>
+              <a:rPr lang="ru-RU" sz="4000" b="1" dirty="0"/>
+              <a:t>База сотрудников </a:t>
+            </a:r>
+            <a:endParaRPr lang="ru-RU" sz="3600" dirty="0"/>
           </a:p>
         </p:txBody>
       </p:sp>
@@ -6130,7 +6852,9 @@
         </p:nvSpPr>
         <p:spPr/>
         <p:txBody>
-          <a:bodyPr/>
+          <a:bodyPr>
+            <a:normAutofit fontScale="77500" lnSpcReduction="20000"/>
+          </a:bodyPr>
           <a:lstStyle/>
           <a:p>
             <a:r>
@@ -6144,13 +6868,116 @@
             </a:endParaRPr>
           </a:p>
           <a:p>
+            <a:pPr lvl="1"/>
+            <a:r>
+              <a:rPr lang="ru-RU" dirty="0">
+                <a:effectLst/>
+              </a:rPr>
+              <a:t>О сотруднике необходимо хранить следующую информацию (ФИО,  пол, адрес, телефон, дата рождения, специальность, зарплата, фотография). Для каждого сотрудника также храниться список его сертификаций.</a:t>
+            </a:r>
+            <a:endParaRPr lang="ru-RU" sz="1600" dirty="0">
+              <a:effectLst/>
+            </a:endParaRPr>
+          </a:p>
+          <a:p>
+            <a:pPr lvl="1"/>
             <a:r>
               <a:rPr lang="ru-RU" dirty="0" smtClean="0">
                 <a:effectLst/>
               </a:rPr>
-              <a:t>Добавить еще из задания</a:t>
-            </a:r>
-            <a:endParaRPr lang="ru-RU" dirty="0">
+              <a:t>База </a:t>
+            </a:r>
+            <a:r>
+              <a:rPr lang="ru-RU" dirty="0">
+                <a:effectLst/>
+              </a:rPr>
+              <a:t>данных содержит двух пользователей – </a:t>
+            </a:r>
+            <a:r>
+              <a:rPr lang="ru-RU" dirty="0" err="1">
+                <a:effectLst/>
+              </a:rPr>
+              <a:t>director</a:t>
+            </a:r>
+            <a:r>
+              <a:rPr lang="ru-RU" dirty="0">
+                <a:effectLst/>
+              </a:rPr>
+              <a:t> и </a:t>
+            </a:r>
+            <a:r>
+              <a:rPr lang="en-US" dirty="0">
+                <a:effectLst/>
+              </a:rPr>
+              <a:t>admin</a:t>
+            </a:r>
+            <a:r>
+              <a:rPr lang="ru-RU" dirty="0">
+                <a:effectLst/>
+              </a:rPr>
+              <a:t>. Директор может только просматривать сотрудников и их сертификации (просматривать соответствующие представления и/или выполнять соответствующие хранимые процедуры). Администратор может не только просматривать, но и редактировать сотрудников.</a:t>
+            </a:r>
+            <a:endParaRPr lang="ru-RU" sz="1600" dirty="0">
+              <a:effectLst/>
+            </a:endParaRPr>
+          </a:p>
+          <a:p>
+            <a:pPr lvl="1"/>
+            <a:r>
+              <a:rPr lang="ru-RU" dirty="0">
+                <a:effectLst/>
+              </a:rPr>
+              <a:t>Программа должна предусматривать поиск сотрудника по фамилии, имени, отчеству, полу, возрасту, специальности и по любой комбинации из всего выше перечисленного.</a:t>
+            </a:r>
+            <a:endParaRPr lang="ru-RU" sz="1600" dirty="0">
+              <a:effectLst/>
+            </a:endParaRPr>
+          </a:p>
+          <a:p>
+            <a:pPr lvl="1"/>
+            <a:r>
+              <a:rPr lang="ru-RU" dirty="0">
+                <a:effectLst/>
+              </a:rPr>
+              <a:t>При добавлении сотрудника вводиться путь к фотографии, фотография копируется в специальную папку, а в базе храниться путь к этому файлу.</a:t>
+            </a:r>
+            <a:endParaRPr lang="ru-RU" sz="1600" dirty="0">
+              <a:effectLst/>
+            </a:endParaRPr>
+          </a:p>
+          <a:p>
+            <a:pPr lvl="1"/>
+            <a:r>
+              <a:rPr lang="ru-RU" dirty="0">
+                <a:effectLst/>
+              </a:rPr>
+              <a:t>Если при добавлении фотография не выбрана, то сотруднику присваивается стандартная фотография силуэта мужчины или женщины в зависимости от выбранного пола. </a:t>
+            </a:r>
+            <a:endParaRPr lang="ru-RU" sz="1600" dirty="0">
+              <a:effectLst/>
+            </a:endParaRPr>
+          </a:p>
+          <a:p>
+            <a:pPr lvl="1"/>
+            <a:r>
+              <a:rPr lang="ru-RU" dirty="0">
+                <a:effectLst/>
+              </a:rPr>
+              <a:t>Программа должна выдавать отчет о начислении зарплаты с итогами по каждой специальности и по всей фирме. Отчет выводится в </a:t>
+            </a:r>
+            <a:r>
+              <a:rPr lang="ru-RU" dirty="0" err="1">
+                <a:effectLst/>
+              </a:rPr>
+              <a:t>ListView</a:t>
+            </a:r>
+            <a:r>
+              <a:rPr lang="ru-RU" dirty="0">
+                <a:effectLst/>
+              </a:rPr>
+              <a:t> на отдельном немодальном окне.</a:t>
+            </a:r>
+            <a:endParaRPr lang="ru-RU" sz="1600" dirty="0">
               <a:effectLst/>
             </a:endParaRPr>
           </a:p>
@@ -6238,8 +7065,8 @@
         </p:blipFill>
         <p:spPr>
           <a:xfrm>
-            <a:off x="2635046" y="1731963"/>
-            <a:ext cx="5828512" cy="4986536"/>
+            <a:off x="3185244" y="1580050"/>
+            <a:ext cx="5810864" cy="4971437"/>
           </a:xfrm>
           <a:prstGeom prst="rect">
             <a:avLst/>
@@ -6329,7 +7156,7 @@
         </p:blipFill>
         <p:spPr>
           <a:xfrm>
-            <a:off x="3082336" y="763973"/>
+            <a:off x="2993845" y="763973"/>
             <a:ext cx="6095337" cy="6036159"/>
           </a:xfrm>
           <a:prstGeom prst="rect">
@@ -6384,18 +7211,19 @@
             <p:ph type="title"/>
           </p:nvPr>
         </p:nvSpPr>
-        <p:spPr/>
+        <p:spPr>
+          <a:xfrm>
+            <a:off x="337258" y="173199"/>
+            <a:ext cx="10353762" cy="970450"/>
+          </a:xfrm>
+        </p:spPr>
         <p:txBody>
           <a:bodyPr/>
           <a:lstStyle/>
           <a:p>
             <a:r>
-              <a:rPr lang="ru-RU" dirty="0" smtClean="0"/>
-              <a:t>Тут про </a:t>
-            </a:r>
-            <a:r>
-              <a:rPr lang="en-US" dirty="0" err="1" smtClean="0"/>
-              <a:t>mvvm</a:t>
+              <a:rPr lang="en-US" dirty="0" smtClean="0"/>
+              <a:t>MVVM</a:t>
             </a:r>
             <a:endParaRPr lang="ru-RU" dirty="0"/>
           </a:p>
@@ -6411,54 +7239,642 @@
             <p:ph idx="1"/>
           </p:nvPr>
         </p:nvSpPr>
-        <p:spPr/>
+        <p:spPr>
+          <a:xfrm>
+            <a:off x="269037" y="1015950"/>
+            <a:ext cx="10421983" cy="882932"/>
+          </a:xfrm>
+        </p:spPr>
         <p:txBody>
           <a:bodyPr/>
           <a:lstStyle/>
           <a:p>
             <a:r>
               <a:rPr lang="ru-RU" dirty="0" smtClean="0"/>
-              <a:t>Модель – это  моя </a:t>
+              <a:t>В </a:t>
+            </a:r>
+            <a:r>
+              <a:rPr lang="ru-RU" dirty="0" smtClean="0"/>
+              <a:t>данном проекте используется паттерн </a:t>
+            </a:r>
+            <a:r>
+              <a:rPr lang="en-US" dirty="0" smtClean="0"/>
+              <a:t>MVVM</a:t>
+            </a:r>
+            <a:r>
+              <a:rPr lang="ru-RU" dirty="0" smtClean="0"/>
+              <a:t>, который состоит из Модели (</a:t>
+            </a:r>
+            <a:r>
+              <a:rPr lang="en-US" dirty="0" smtClean="0"/>
+              <a:t>Model)</a:t>
+            </a:r>
+            <a:r>
+              <a:rPr lang="ru-RU" dirty="0" smtClean="0"/>
+              <a:t>, представления модели </a:t>
+            </a:r>
+            <a:r>
+              <a:rPr lang="en-US" dirty="0" smtClean="0"/>
+              <a:t>(</a:t>
             </a:r>
             <a:r>
               <a:rPr lang="en-US" dirty="0" err="1" smtClean="0"/>
-              <a:t>edm</a:t>
-            </a:r>
-            <a:endParaRPr lang="en-US" dirty="0" smtClean="0"/>
-          </a:p>
-          <a:p>
+              <a:t>ViewModel</a:t>
+            </a:r>
+            <a:r>
+              <a:rPr lang="en-US" dirty="0" smtClean="0"/>
+              <a:t>)</a:t>
+            </a:r>
+            <a:r>
+              <a:rPr lang="ru-RU" dirty="0"/>
+              <a:t> </a:t>
+            </a:r>
             <a:r>
               <a:rPr lang="ru-RU" dirty="0" smtClean="0"/>
-              <a:t>И </a:t>
-            </a:r>
-            <a:r>
-              <a:rPr lang="ru-RU" dirty="0" err="1" smtClean="0"/>
-              <a:t>т.д</a:t>
+              <a:t>и представления </a:t>
+            </a:r>
+            <a:r>
+              <a:rPr lang="en-US" dirty="0" smtClean="0"/>
+              <a:t>(View)</a:t>
             </a:r>
             <a:r>
               <a:rPr lang="ru-RU" dirty="0" smtClean="0"/>
-              <a:t> взять </a:t>
-            </a:r>
-            <a:r>
-              <a:rPr lang="ru-RU" dirty="0" err="1" smtClean="0"/>
-              <a:t>скрин</a:t>
-            </a:r>
-            <a:r>
-              <a:rPr lang="ru-RU" dirty="0" smtClean="0"/>
+              <a:t>.</a:t>
+            </a:r>
+            <a:endParaRPr lang="ru-RU" dirty="0"/>
+          </a:p>
+        </p:txBody>
+      </p:sp>
+      <p:pic>
+        <p:nvPicPr>
+          <p:cNvPr id="4" name="Рисунок 3"/>
+          <p:cNvPicPr>
+            <a:picLocks noChangeAspect="1"/>
+          </p:cNvPicPr>
+          <p:nvPr/>
+        </p:nvPicPr>
+        <p:blipFill>
+          <a:blip r:embed="rId2">
+            <a:extLst>
+              <a:ext uri="{28A0092B-C50C-407E-A947-70E740481C1C}">
+                <a14:useLocalDpi xmlns:a14="http://schemas.microsoft.com/office/drawing/2010/main" val="0"/>
+              </a:ext>
+            </a:extLst>
+          </a:blip>
+          <a:stretch>
+            <a:fillRect/>
+          </a:stretch>
+        </p:blipFill>
+        <p:spPr>
+          <a:xfrm>
+            <a:off x="7275029" y="3932441"/>
+            <a:ext cx="4743450" cy="2486025"/>
+          </a:xfrm>
+          <a:prstGeom prst="rect">
+            <a:avLst/>
+          </a:prstGeom>
+        </p:spPr>
+      </p:pic>
+      <p:sp>
+        <p:nvSpPr>
+          <p:cNvPr id="6" name="TextBox 5"/>
+          <p:cNvSpPr txBox="1"/>
+          <p:nvPr/>
+        </p:nvSpPr>
+        <p:spPr>
+          <a:xfrm>
+            <a:off x="1005852" y="1865094"/>
+            <a:ext cx="9312036" cy="1631216"/>
+          </a:xfrm>
+          <a:prstGeom prst="rect">
+            <a:avLst/>
+          </a:prstGeom>
+          <a:noFill/>
+        </p:spPr>
+        <p:txBody>
+          <a:bodyPr wrap="none" rtlCol="0">
+            <a:spAutoFit/>
+          </a:bodyPr>
+          <a:lstStyle/>
+          <a:p>
+            <a:r>
+              <a:rPr lang="ru-RU" sz="1600" b="1" dirty="0" err="1">
+                <a:solidFill>
+                  <a:schemeClr val="tx2"/>
+                </a:solidFill>
+              </a:rPr>
+              <a:t>Model</a:t>
+            </a:r>
+            <a:endParaRPr lang="ru-RU" sz="1600" b="1" dirty="0">
+              <a:solidFill>
+                <a:schemeClr val="tx2"/>
+              </a:solidFill>
+            </a:endParaRPr>
+          </a:p>
+          <a:p>
+            <a:r>
+              <a:rPr lang="ru-RU" sz="1600" dirty="0">
+                <a:solidFill>
+                  <a:schemeClr val="tx2"/>
+                </a:solidFill>
+              </a:rPr>
+              <a:t>Модель описывает используемые в приложении данные. Модели могут содержать логику, </a:t>
+            </a:r>
+            <a:endParaRPr lang="en-US" sz="1600" dirty="0" smtClean="0">
+              <a:solidFill>
+                <a:schemeClr val="tx2"/>
+              </a:solidFill>
+            </a:endParaRPr>
+          </a:p>
+          <a:p>
+            <a:r>
+              <a:rPr lang="ru-RU" sz="1600" dirty="0" smtClean="0">
+                <a:solidFill>
+                  <a:schemeClr val="tx2"/>
+                </a:solidFill>
+              </a:rPr>
+              <a:t>непосредственно </a:t>
+            </a:r>
+            <a:r>
+              <a:rPr lang="ru-RU" sz="1600" dirty="0">
+                <a:solidFill>
+                  <a:schemeClr val="tx2"/>
+                </a:solidFill>
+              </a:rPr>
+              <a:t>связанную этими данными, например, логику </a:t>
+            </a:r>
+            <a:r>
+              <a:rPr lang="ru-RU" sz="1600" dirty="0" err="1">
+                <a:solidFill>
+                  <a:schemeClr val="tx2"/>
+                </a:solidFill>
+              </a:rPr>
+              <a:t>валидации</a:t>
+            </a:r>
+            <a:r>
+              <a:rPr lang="ru-RU" sz="1600" dirty="0">
+                <a:solidFill>
+                  <a:schemeClr val="tx2"/>
+                </a:solidFill>
+              </a:rPr>
+              <a:t> свойств модели. </a:t>
+            </a:r>
+            <a:endParaRPr lang="en-US" sz="1600" dirty="0" smtClean="0">
+              <a:solidFill>
+                <a:schemeClr val="tx2"/>
+              </a:solidFill>
+            </a:endParaRPr>
+          </a:p>
+          <a:p>
+            <a:r>
+              <a:rPr lang="ru-RU" sz="1600" dirty="0" smtClean="0">
+                <a:solidFill>
+                  <a:schemeClr val="tx2"/>
+                </a:solidFill>
+              </a:rPr>
+              <a:t>В </a:t>
+            </a:r>
+            <a:r>
+              <a:rPr lang="ru-RU" sz="1600" dirty="0">
+                <a:solidFill>
+                  <a:schemeClr val="tx2"/>
+                </a:solidFill>
+              </a:rPr>
+              <a:t>то же время модель не должна содержать никакой логики, связанной с отображением данных </a:t>
+            </a:r>
+            <a:endParaRPr lang="en-US" sz="1600" dirty="0" smtClean="0">
+              <a:solidFill>
+                <a:schemeClr val="tx2"/>
+              </a:solidFill>
+            </a:endParaRPr>
+          </a:p>
+          <a:p>
+            <a:r>
+              <a:rPr lang="ru-RU" sz="1600" dirty="0" smtClean="0">
+                <a:solidFill>
+                  <a:schemeClr val="tx2"/>
+                </a:solidFill>
+              </a:rPr>
+              <a:t>и </a:t>
+            </a:r>
+            <a:r>
+              <a:rPr lang="ru-RU" sz="1600" dirty="0">
+                <a:solidFill>
+                  <a:schemeClr val="tx2"/>
+                </a:solidFill>
+              </a:rPr>
+              <a:t>взаимодействием с визуальными элементами управления.</a:t>
+            </a:r>
+          </a:p>
+          <a:p>
+            <a:endParaRPr lang="ru-RU" dirty="0"/>
+          </a:p>
+        </p:txBody>
+      </p:sp>
+      <p:sp>
+        <p:nvSpPr>
+          <p:cNvPr id="7" name="TextBox 6"/>
+          <p:cNvSpPr txBox="1"/>
+          <p:nvPr/>
+        </p:nvSpPr>
+        <p:spPr>
+          <a:xfrm>
+            <a:off x="1005852" y="3177208"/>
+            <a:ext cx="7823680" cy="1477328"/>
+          </a:xfrm>
+          <a:prstGeom prst="rect">
+            <a:avLst/>
+          </a:prstGeom>
+          <a:noFill/>
+        </p:spPr>
+        <p:txBody>
+          <a:bodyPr wrap="none" rtlCol="0">
+            <a:spAutoFit/>
+          </a:bodyPr>
+          <a:lstStyle/>
+          <a:p>
+            <a:r>
+              <a:rPr lang="ru-RU" b="1" dirty="0" err="1" smtClean="0">
+                <a:solidFill>
+                  <a:schemeClr val="tx2"/>
+                </a:solidFill>
+              </a:rPr>
+              <a:t>View</a:t>
+            </a:r>
+            <a:r>
+              <a:rPr lang="en-US" b="1" dirty="0" smtClean="0">
+                <a:solidFill>
+                  <a:schemeClr val="tx2"/>
+                </a:solidFill>
+              </a:rPr>
               <a:t> </a:t>
             </a:r>
             <a:r>
-              <a:rPr lang="en-US" dirty="0" err="1" smtClean="0"/>
-              <a:t>mvvm</a:t>
-            </a:r>
-            <a:r>
-              <a:rPr lang="en-US" dirty="0" smtClean="0"/>
+              <a:rPr lang="ru-RU" dirty="0" smtClean="0">
+                <a:solidFill>
+                  <a:schemeClr val="tx2"/>
+                </a:solidFill>
+              </a:rPr>
+              <a:t>определяет </a:t>
+            </a:r>
+            <a:r>
+              <a:rPr lang="ru-RU" dirty="0">
+                <a:solidFill>
+                  <a:schemeClr val="tx2"/>
+                </a:solidFill>
+              </a:rPr>
+              <a:t>визуальный интерфейс, через который </a:t>
+            </a:r>
+            <a:endParaRPr lang="en-US" dirty="0" smtClean="0">
+              <a:solidFill>
+                <a:schemeClr val="tx2"/>
+              </a:solidFill>
+            </a:endParaRPr>
+          </a:p>
+          <a:p>
+            <a:r>
+              <a:rPr lang="ru-RU" dirty="0" smtClean="0">
+                <a:solidFill>
+                  <a:schemeClr val="tx2"/>
+                </a:solidFill>
+              </a:rPr>
+              <a:t>пользователь </a:t>
+            </a:r>
+            <a:r>
+              <a:rPr lang="ru-RU" dirty="0">
+                <a:solidFill>
+                  <a:schemeClr val="tx2"/>
+                </a:solidFill>
+              </a:rPr>
+              <a:t>взаимодействует с приложением. Применительно к WPF </a:t>
+            </a:r>
+            <a:endParaRPr lang="en-US" dirty="0" smtClean="0">
+              <a:solidFill>
+                <a:schemeClr val="tx2"/>
+              </a:solidFill>
+            </a:endParaRPr>
+          </a:p>
+          <a:p>
+            <a:r>
+              <a:rPr lang="ru-RU" dirty="0" smtClean="0">
+                <a:solidFill>
+                  <a:schemeClr val="tx2"/>
+                </a:solidFill>
+              </a:rPr>
+              <a:t>представление </a:t>
+            </a:r>
+            <a:r>
+              <a:rPr lang="ru-RU" dirty="0">
+                <a:solidFill>
+                  <a:schemeClr val="tx2"/>
+                </a:solidFill>
+              </a:rPr>
+              <a:t>- это код в </a:t>
+            </a:r>
+            <a:r>
+              <a:rPr lang="ru-RU" dirty="0" err="1">
+                <a:solidFill>
+                  <a:schemeClr val="tx2"/>
+                </a:solidFill>
+              </a:rPr>
+              <a:t>xaml</a:t>
+            </a:r>
+            <a:r>
+              <a:rPr lang="ru-RU" dirty="0">
+                <a:solidFill>
+                  <a:schemeClr val="tx2"/>
+                </a:solidFill>
+              </a:rPr>
+              <a:t>, который определяет интерфейс в </a:t>
+            </a:r>
+            <a:r>
+              <a:rPr lang="ru-RU" dirty="0" smtClean="0">
+                <a:solidFill>
+                  <a:schemeClr val="tx2"/>
+                </a:solidFill>
+              </a:rPr>
+              <a:t>виде</a:t>
+            </a:r>
+            <a:endParaRPr lang="en-US" dirty="0" smtClean="0">
+              <a:solidFill>
+                <a:schemeClr val="tx2"/>
+              </a:solidFill>
+            </a:endParaRPr>
+          </a:p>
+          <a:p>
+            <a:r>
+              <a:rPr lang="ru-RU" dirty="0" smtClean="0">
+                <a:solidFill>
+                  <a:schemeClr val="tx2"/>
+                </a:solidFill>
+              </a:rPr>
+              <a:t>кнопок</a:t>
+            </a:r>
+            <a:r>
+              <a:rPr lang="ru-RU" dirty="0">
+                <a:solidFill>
+                  <a:schemeClr val="tx2"/>
+                </a:solidFill>
+              </a:rPr>
+              <a:t>, текстовых полей и прочих визуальных элементов.</a:t>
+            </a:r>
+          </a:p>
+          <a:p>
+            <a:endParaRPr lang="ru-RU" dirty="0"/>
+          </a:p>
+        </p:txBody>
+      </p:sp>
+      <p:sp>
+        <p:nvSpPr>
+          <p:cNvPr id="8" name="TextBox 7"/>
+          <p:cNvSpPr txBox="1"/>
+          <p:nvPr/>
+        </p:nvSpPr>
+        <p:spPr>
+          <a:xfrm>
+            <a:off x="1005852" y="4424470"/>
+            <a:ext cx="7424340" cy="2031325"/>
+          </a:xfrm>
+          <a:prstGeom prst="rect">
+            <a:avLst/>
+          </a:prstGeom>
+          <a:noFill/>
+        </p:spPr>
+        <p:txBody>
+          <a:bodyPr wrap="none" rtlCol="0">
+            <a:spAutoFit/>
+          </a:bodyPr>
+          <a:lstStyle/>
+          <a:p>
+            <a:r>
+              <a:rPr lang="ru-RU" b="1" dirty="0" err="1" smtClean="0">
+                <a:solidFill>
+                  <a:schemeClr val="tx2"/>
+                </a:solidFill>
+              </a:rPr>
+              <a:t>ViewModel</a:t>
+            </a:r>
+            <a:r>
+              <a:rPr lang="en-US" b="1" dirty="0" smtClean="0">
+                <a:solidFill>
+                  <a:schemeClr val="tx2"/>
+                </a:solidFill>
+              </a:rPr>
               <a:t> </a:t>
             </a:r>
             <a:r>
-              <a:rPr lang="ru-RU" dirty="0" err="1" smtClean="0"/>
-              <a:t>диаг</a:t>
-            </a:r>
+              <a:rPr lang="ru-RU" dirty="0" smtClean="0">
+                <a:solidFill>
+                  <a:schemeClr val="tx2"/>
+                </a:solidFill>
+              </a:rPr>
+              <a:t>связывает </a:t>
+            </a:r>
+            <a:r>
+              <a:rPr lang="ru-RU" dirty="0">
+                <a:solidFill>
+                  <a:schemeClr val="tx2"/>
+                </a:solidFill>
+              </a:rPr>
+              <a:t>модель и представление </a:t>
+            </a:r>
+            <a:endParaRPr lang="en-US" dirty="0" smtClean="0">
+              <a:solidFill>
+                <a:schemeClr val="tx2"/>
+              </a:solidFill>
+            </a:endParaRPr>
+          </a:p>
+          <a:p>
+            <a:r>
+              <a:rPr lang="ru-RU" dirty="0" smtClean="0">
+                <a:solidFill>
+                  <a:schemeClr val="tx2"/>
+                </a:solidFill>
+              </a:rPr>
+              <a:t>через </a:t>
+            </a:r>
+            <a:r>
+              <a:rPr lang="ru-RU" dirty="0">
+                <a:solidFill>
+                  <a:schemeClr val="tx2"/>
+                </a:solidFill>
+              </a:rPr>
+              <a:t>механизм привязки данных. Если в модели </a:t>
+            </a:r>
+            <a:endParaRPr lang="en-US" dirty="0" smtClean="0">
+              <a:solidFill>
+                <a:schemeClr val="tx2"/>
+              </a:solidFill>
+            </a:endParaRPr>
+          </a:p>
+          <a:p>
+            <a:r>
+              <a:rPr lang="ru-RU" dirty="0" smtClean="0">
+                <a:solidFill>
+                  <a:schemeClr val="tx2"/>
+                </a:solidFill>
+              </a:rPr>
+              <a:t>изменяются </a:t>
+            </a:r>
+            <a:r>
+              <a:rPr lang="ru-RU" dirty="0">
+                <a:solidFill>
+                  <a:schemeClr val="tx2"/>
+                </a:solidFill>
+              </a:rPr>
+              <a:t>значения </a:t>
+            </a:r>
+            <a:r>
+              <a:rPr lang="ru-RU" dirty="0" smtClean="0">
+                <a:solidFill>
+                  <a:schemeClr val="tx2"/>
+                </a:solidFill>
+              </a:rPr>
+              <a:t>свойств</a:t>
+            </a:r>
+            <a:r>
+              <a:rPr lang="ru-RU" dirty="0">
+                <a:solidFill>
+                  <a:schemeClr val="tx2"/>
+                </a:solidFill>
+              </a:rPr>
+              <a:t>, при реализации моделью </a:t>
+            </a:r>
+            <a:endParaRPr lang="ru-RU" dirty="0" smtClean="0">
+              <a:solidFill>
+                <a:schemeClr val="tx2"/>
+              </a:solidFill>
+            </a:endParaRPr>
+          </a:p>
+          <a:p>
+            <a:r>
+              <a:rPr lang="ru-RU" dirty="0" smtClean="0">
+                <a:solidFill>
+                  <a:schemeClr val="tx2"/>
+                </a:solidFill>
+              </a:rPr>
+              <a:t>интерфейса </a:t>
+            </a:r>
+            <a:r>
+              <a:rPr lang="ru-RU" dirty="0" err="1" smtClean="0">
+                <a:solidFill>
+                  <a:schemeClr val="tx2"/>
+                </a:solidFill>
+              </a:rPr>
+              <a:t>INotifyPropertyChanged</a:t>
+            </a:r>
+            <a:r>
+              <a:rPr lang="ru-RU" dirty="0" smtClean="0">
+                <a:solidFill>
+                  <a:schemeClr val="tx2"/>
+                </a:solidFill>
+              </a:rPr>
+              <a:t> автоматически </a:t>
+            </a:r>
+            <a:r>
+              <a:rPr lang="ru-RU" dirty="0">
+                <a:solidFill>
+                  <a:schemeClr val="tx2"/>
+                </a:solidFill>
+              </a:rPr>
+              <a:t>идет </a:t>
+            </a:r>
+            <a:endParaRPr lang="ru-RU" dirty="0" smtClean="0">
+              <a:solidFill>
+                <a:schemeClr val="tx2"/>
+              </a:solidFill>
+            </a:endParaRPr>
+          </a:p>
+          <a:p>
+            <a:r>
+              <a:rPr lang="ru-RU" dirty="0" smtClean="0">
+                <a:solidFill>
+                  <a:schemeClr val="tx2"/>
+                </a:solidFill>
+              </a:rPr>
+              <a:t>изменение отображаемых</a:t>
+            </a:r>
+            <a:r>
+              <a:rPr lang="ru-RU" dirty="0">
+                <a:solidFill>
+                  <a:schemeClr val="tx2"/>
+                </a:solidFill>
+              </a:rPr>
+              <a:t> </a:t>
+            </a:r>
+            <a:r>
+              <a:rPr lang="ru-RU" dirty="0" smtClean="0">
+                <a:solidFill>
+                  <a:schemeClr val="tx2"/>
+                </a:solidFill>
+              </a:rPr>
+              <a:t>данных </a:t>
+            </a:r>
+            <a:r>
+              <a:rPr lang="ru-RU" dirty="0">
+                <a:solidFill>
+                  <a:schemeClr val="tx2"/>
+                </a:solidFill>
+              </a:rPr>
+              <a:t>в представлении, </a:t>
+            </a:r>
+            <a:r>
+              <a:rPr lang="ru-RU" dirty="0" smtClean="0">
+                <a:solidFill>
+                  <a:schemeClr val="tx2"/>
+                </a:solidFill>
+              </a:rPr>
+              <a:t>хотя </a:t>
+            </a:r>
+            <a:r>
+              <a:rPr lang="ru-RU" dirty="0">
+                <a:solidFill>
+                  <a:schemeClr val="tx2"/>
+                </a:solidFill>
+              </a:rPr>
+              <a:t>напрямую </a:t>
+            </a:r>
+            <a:endParaRPr lang="ru-RU" dirty="0" smtClean="0">
+              <a:solidFill>
+                <a:schemeClr val="tx2"/>
+              </a:solidFill>
+            </a:endParaRPr>
+          </a:p>
+          <a:p>
+            <a:r>
+              <a:rPr lang="ru-RU" dirty="0" smtClean="0">
+                <a:solidFill>
+                  <a:schemeClr val="tx2"/>
+                </a:solidFill>
+              </a:rPr>
+              <a:t>модель </a:t>
+            </a:r>
+            <a:r>
+              <a:rPr lang="ru-RU" dirty="0">
+                <a:solidFill>
+                  <a:schemeClr val="tx2"/>
+                </a:solidFill>
+              </a:rPr>
+              <a:t>и представление </a:t>
+            </a:r>
+            <a:r>
+              <a:rPr lang="ru-RU" dirty="0" smtClean="0">
+                <a:solidFill>
+                  <a:schemeClr val="tx2"/>
+                </a:solidFill>
+              </a:rPr>
+              <a:t>не </a:t>
+            </a:r>
+            <a:r>
+              <a:rPr lang="ru-RU" dirty="0">
+                <a:solidFill>
+                  <a:schemeClr val="tx2"/>
+                </a:solidFill>
+              </a:rPr>
+              <a:t>связаны.</a:t>
+            </a:r>
+          </a:p>
+          <a:p>
             <a:endParaRPr lang="ru-RU" dirty="0"/>
           </a:p>
         </p:txBody>
@@ -6473,6 +7889,13 @@
   <p:clrMapOvr>
     <a:masterClrMapping/>
   </p:clrMapOvr>
+  <p:timing>
+    <p:tnLst>
+      <p:par>
+        <p:cTn id="1" dur="indefinite" restart="never" nodeType="tmRoot"/>
+      </p:par>
+    </p:tnLst>
+  </p:timing>
 </p:sld>
 </file>
 
@@ -6535,7 +7958,7 @@
         </p:blipFill>
         <p:spPr>
           <a:xfrm>
-            <a:off x="1101892" y="1580050"/>
+            <a:off x="1082227" y="1796359"/>
             <a:ext cx="2368522" cy="4059237"/>
           </a:xfrm>
           <a:prstGeom prst="rect">
@@ -6543,6 +7966,94 @@
           </a:prstGeom>
         </p:spPr>
       </p:pic>
+      <p:sp>
+        <p:nvSpPr>
+          <p:cNvPr id="3" name="TextBox 2"/>
+          <p:cNvSpPr txBox="1"/>
+          <p:nvPr/>
+        </p:nvSpPr>
+        <p:spPr>
+          <a:xfrm>
+            <a:off x="4021394" y="1796359"/>
+            <a:ext cx="7251793" cy="1200329"/>
+          </a:xfrm>
+          <a:prstGeom prst="rect">
+            <a:avLst/>
+          </a:prstGeom>
+          <a:noFill/>
+        </p:spPr>
+        <p:txBody>
+          <a:bodyPr wrap="none" rtlCol="0">
+            <a:spAutoFit/>
+          </a:bodyPr>
+          <a:lstStyle/>
+          <a:p>
+            <a:r>
+              <a:rPr lang="ru-RU" dirty="0" smtClean="0"/>
+              <a:t>В проекте есть три папки под каждую из </a:t>
+            </a:r>
+            <a:r>
+              <a:rPr lang="ru-RU" dirty="0"/>
+              <a:t>э</a:t>
+            </a:r>
+            <a:r>
+              <a:rPr lang="ru-RU" dirty="0" smtClean="0"/>
+              <a:t>лементов паттерна</a:t>
+            </a:r>
+          </a:p>
+          <a:p>
+            <a:r>
+              <a:rPr lang="en-US" dirty="0" smtClean="0"/>
+              <a:t>MVVM</a:t>
+            </a:r>
+            <a:r>
+              <a:rPr lang="ru-RU" dirty="0" smtClean="0"/>
+              <a:t>. Модель – это мои данные из базы данных (таблицы</a:t>
+            </a:r>
+            <a:r>
+              <a:rPr lang="en-US" dirty="0" smtClean="0"/>
+              <a:t>: Users</a:t>
+            </a:r>
+          </a:p>
+          <a:p>
+            <a:r>
+              <a:rPr lang="en-US" dirty="0" smtClean="0"/>
+              <a:t>Certificates, </a:t>
+            </a:r>
+            <a:r>
+              <a:rPr lang="en-US" dirty="0" err="1" smtClean="0"/>
+              <a:t>StaffAndCertificates</a:t>
+            </a:r>
+            <a:r>
+              <a:rPr lang="en-US" dirty="0" smtClean="0"/>
+              <a:t>, Workers </a:t>
+            </a:r>
+            <a:r>
+              <a:rPr lang="ru-RU" dirty="0" smtClean="0"/>
+              <a:t>и </a:t>
+            </a:r>
+            <a:r>
+              <a:rPr lang="en-US" dirty="0" err="1" smtClean="0"/>
+              <a:t>Specialities</a:t>
+            </a:r>
+            <a:r>
+              <a:rPr lang="ru-RU" dirty="0" smtClean="0"/>
+              <a:t>)</a:t>
+            </a:r>
+          </a:p>
+          <a:p>
+            <a:r>
+              <a:rPr lang="ru-RU" dirty="0" smtClean="0"/>
+              <a:t>Представления – это файлы с разметкой </a:t>
+            </a:r>
+            <a:r>
+              <a:rPr lang="en-US" dirty="0" err="1" smtClean="0"/>
+              <a:t>xaml</a:t>
+            </a:r>
+            <a:endParaRPr lang="ru-RU" dirty="0"/>
+          </a:p>
+        </p:txBody>
+      </p:sp>
     </p:spTree>
     <p:extLst>
       <p:ext uri="{BB962C8B-B14F-4D97-AF65-F5344CB8AC3E}">
@@ -6553,6 +8064,13 @@
   <p:clrMapOvr>
     <a:masterClrMapping/>
   </p:clrMapOvr>
+  <p:timing>
+    <p:tnLst>
+      <p:par>
+        <p:cTn id="1" dur="indefinite" restart="never" nodeType="tmRoot"/>
+      </p:par>
+    </p:tnLst>
+  </p:timing>
 </p:sld>
 </file>
 
@@ -6583,31 +8101,535 @@
             <p:ph type="title"/>
           </p:nvPr>
         </p:nvSpPr>
-        <p:spPr/>
-        <p:txBody>
-          <a:bodyPr/>
+        <p:spPr>
+          <a:xfrm>
+            <a:off x="5537538" y="1516381"/>
+            <a:ext cx="689368" cy="970450"/>
+          </a:xfrm>
+        </p:spPr>
+        <p:txBody>
+          <a:bodyPr>
+            <a:normAutofit/>
+          </a:bodyPr>
           <a:lstStyle/>
           <a:p>
+            <a:pPr algn="l"/>
+            <a:r>
+              <a:rPr lang="ru-RU" dirty="0" smtClean="0"/>
+              <a:t>1</a:t>
+            </a:r>
             <a:endParaRPr lang="ru-RU" dirty="0"/>
           </a:p>
         </p:txBody>
       </p:sp>
-      <p:sp>
-        <p:nvSpPr>
-          <p:cNvPr id="3" name="Объект 2"/>
-          <p:cNvSpPr>
-            <a:spLocks noGrp="1"/>
-          </p:cNvSpPr>
+      <p:pic>
+        <p:nvPicPr>
+          <p:cNvPr id="4" name="Объект 3"/>
+          <p:cNvPicPr>
+            <a:picLocks noGrp="1"/>
+          </p:cNvPicPr>
           <p:nvPr>
             <p:ph idx="1"/>
           </p:nvPr>
-        </p:nvSpPr>
-        <p:spPr/>
-        <p:txBody>
-          <a:bodyPr/>
-          <a:lstStyle/>
-          <a:p>
-            <a:endParaRPr lang="ru-RU"/>
+        </p:nvPicPr>
+        <p:blipFill>
+          <a:blip r:embed="rId2"/>
+          <a:stretch>
+            <a:fillRect/>
+          </a:stretch>
+        </p:blipFill>
+        <p:spPr>
+          <a:xfrm>
+            <a:off x="297659" y="404608"/>
+            <a:ext cx="5218238" cy="3193997"/>
+          </a:xfrm>
+          <a:prstGeom prst="rect">
+            <a:avLst/>
+          </a:prstGeom>
+        </p:spPr>
+      </p:pic>
+      <p:pic>
+        <p:nvPicPr>
+          <p:cNvPr id="5" name="Рисунок 4"/>
+          <p:cNvPicPr/>
+          <p:nvPr/>
+        </p:nvPicPr>
+        <p:blipFill>
+          <a:blip r:embed="rId3"/>
+          <a:stretch>
+            <a:fillRect/>
+          </a:stretch>
+        </p:blipFill>
+        <p:spPr>
+          <a:xfrm>
+            <a:off x="6061734" y="2827263"/>
+            <a:ext cx="5708034" cy="3503735"/>
+          </a:xfrm>
+          <a:prstGeom prst="rect">
+            <a:avLst/>
+          </a:prstGeom>
+        </p:spPr>
+      </p:pic>
+      <p:sp>
+        <p:nvSpPr>
+          <p:cNvPr id="6" name="Заголовок 1"/>
+          <p:cNvSpPr txBox="1">
+            <a:spLocks/>
+          </p:cNvSpPr>
+          <p:nvPr/>
+        </p:nvSpPr>
+        <p:spPr>
+          <a:xfrm>
+            <a:off x="5537538" y="4093906"/>
+            <a:ext cx="689368" cy="970450"/>
+          </a:xfrm>
+          <a:prstGeom prst="rect">
+            <a:avLst/>
+          </a:prstGeom>
+          <a:effectLst>
+            <a:outerShdw blurRad="25400" dir="17880000">
+              <a:srgbClr val="000000">
+                <a:alpha val="46000"/>
+              </a:srgbClr>
+            </a:outerShdw>
+          </a:effectLst>
+        </p:spPr>
+        <p:txBody>
+          <a:bodyPr vert="horz" lIns="91440" tIns="45720" rIns="91440" bIns="45720" rtlCol="0" anchor="ctr">
+            <a:normAutofit/>
+          </a:bodyPr>
+          <a:lstStyle>
+            <a:lvl1pPr algn="ctr" defTabSz="457200" rtl="0" eaLnBrk="1" latinLnBrk="0" hangingPunct="1">
+              <a:spcBef>
+                <a:spcPct val="0"/>
+              </a:spcBef>
+              <a:buNone/>
+              <a:defRPr sz="4000" kern="1200">
+                <a:ln>
+                  <a:solidFill>
+                    <a:schemeClr val="bg1">
+                      <a:lumMod val="75000"/>
+                      <a:lumOff val="25000"/>
+                      <a:alpha val="10000"/>
+                    </a:schemeClr>
+                  </a:solidFill>
+                </a:ln>
+                <a:solidFill>
+                  <a:schemeClr val="tx2"/>
+                </a:solidFill>
+                <a:effectLst>
+                  <a:outerShdw blurRad="9525" dist="25400" dir="14640000" algn="tl" rotWithShape="0">
+                    <a:schemeClr val="bg1">
+                      <a:alpha val="30000"/>
+                    </a:schemeClr>
+                  </a:outerShdw>
+                </a:effectLst>
+                <a:latin typeface="+mj-lt"/>
+                <a:ea typeface="+mj-ea"/>
+                <a:cs typeface="Trebuchet MS"/>
+              </a:defRPr>
+            </a:lvl1pPr>
+            <a:lvl2pPr eaLnBrk="1" hangingPunct="1">
+              <a:defRPr>
+                <a:solidFill>
+                  <a:schemeClr val="tx2"/>
+                </a:solidFill>
+              </a:defRPr>
+            </a:lvl2pPr>
+            <a:lvl3pPr eaLnBrk="1" hangingPunct="1">
+              <a:defRPr>
+                <a:solidFill>
+                  <a:schemeClr val="tx2"/>
+                </a:solidFill>
+              </a:defRPr>
+            </a:lvl3pPr>
+            <a:lvl4pPr eaLnBrk="1" hangingPunct="1">
+              <a:defRPr>
+                <a:solidFill>
+                  <a:schemeClr val="tx2"/>
+                </a:solidFill>
+              </a:defRPr>
+            </a:lvl4pPr>
+            <a:lvl5pPr eaLnBrk="1" hangingPunct="1">
+              <a:defRPr>
+                <a:solidFill>
+                  <a:schemeClr val="tx2"/>
+                </a:solidFill>
+              </a:defRPr>
+            </a:lvl5pPr>
+            <a:lvl6pPr eaLnBrk="1" hangingPunct="1">
+              <a:defRPr>
+                <a:solidFill>
+                  <a:schemeClr val="tx2"/>
+                </a:solidFill>
+              </a:defRPr>
+            </a:lvl6pPr>
+            <a:lvl7pPr eaLnBrk="1" hangingPunct="1">
+              <a:defRPr>
+                <a:solidFill>
+                  <a:schemeClr val="tx2"/>
+                </a:solidFill>
+              </a:defRPr>
+            </a:lvl7pPr>
+            <a:lvl8pPr eaLnBrk="1" hangingPunct="1">
+              <a:defRPr>
+                <a:solidFill>
+                  <a:schemeClr val="tx2"/>
+                </a:solidFill>
+              </a:defRPr>
+            </a:lvl8pPr>
+            <a:lvl9pPr eaLnBrk="1" hangingPunct="1">
+              <a:defRPr>
+                <a:solidFill>
+                  <a:schemeClr val="tx2"/>
+                </a:solidFill>
+              </a:defRPr>
+            </a:lvl9pPr>
+          </a:lstStyle>
+          <a:p>
+            <a:pPr algn="l"/>
+            <a:r>
+              <a:rPr lang="ru-RU" dirty="0" smtClean="0"/>
+              <a:t>2</a:t>
+            </a:r>
+            <a:endParaRPr lang="ru-RU" dirty="0"/>
+          </a:p>
+        </p:txBody>
+      </p:sp>
+    </p:spTree>
+    <p:extLst>
+      <p:ext uri="{BB962C8B-B14F-4D97-AF65-F5344CB8AC3E}">
+        <p14:creationId xmlns:p14="http://schemas.microsoft.com/office/powerpoint/2010/main" val="2957517970"/>
+      </p:ext>
+    </p:extLst>
+  </p:cSld>
+  <p:clrMapOvr>
+    <a:masterClrMapping/>
+  </p:clrMapOvr>
+  <p:timing>
+    <p:tnLst>
+      <p:par>
+        <p:cTn id="1" dur="indefinite" restart="never" nodeType="tmRoot"/>
+      </p:par>
+    </p:tnLst>
+  </p:timing>
+</p:sld>
+</file>
+
+<file path=ppt/slides/slide8.xml><?xml version="1.0" encoding="utf-8"?>
+<p:sld xmlns:a="http://schemas.openxmlformats.org/drawingml/2006/main" xmlns:r="http://schemas.openxmlformats.org/officeDocument/2006/relationships" xmlns:p="http://schemas.openxmlformats.org/presentationml/2006/main">
+  <p:cSld>
+    <p:spTree>
+      <p:nvGrpSpPr>
+        <p:cNvPr id="1" name=""/>
+        <p:cNvGrpSpPr/>
+        <p:nvPr/>
+      </p:nvGrpSpPr>
+      <p:grpSpPr>
+        <a:xfrm>
+          <a:off x="0" y="0"/>
+          <a:ext cx="0" cy="0"/>
+          <a:chOff x="0" y="0"/>
+          <a:chExt cx="0" cy="0"/>
+        </a:xfrm>
+      </p:grpSpPr>
+      <p:pic>
+        <p:nvPicPr>
+          <p:cNvPr id="4" name="Объект 3"/>
+          <p:cNvPicPr>
+            <a:picLocks noGrp="1"/>
+          </p:cNvPicPr>
+          <p:nvPr>
+            <p:ph idx="1"/>
+          </p:nvPr>
+        </p:nvPicPr>
+        <p:blipFill>
+          <a:blip r:embed="rId2"/>
+          <a:stretch>
+            <a:fillRect/>
+          </a:stretch>
+        </p:blipFill>
+        <p:spPr>
+          <a:xfrm>
+            <a:off x="194424" y="337996"/>
+            <a:ext cx="6146624" cy="4059237"/>
+          </a:xfrm>
+          <a:prstGeom prst="rect">
+            <a:avLst/>
+          </a:prstGeom>
+        </p:spPr>
+      </p:pic>
+      <p:pic>
+        <p:nvPicPr>
+          <p:cNvPr id="5" name="Рисунок 4"/>
+          <p:cNvPicPr/>
+          <p:nvPr/>
+        </p:nvPicPr>
+        <p:blipFill>
+          <a:blip r:embed="rId3"/>
+          <a:stretch>
+            <a:fillRect/>
+          </a:stretch>
+        </p:blipFill>
+        <p:spPr>
+          <a:xfrm>
+            <a:off x="7041945" y="3461017"/>
+            <a:ext cx="4597400" cy="3082290"/>
+          </a:xfrm>
+          <a:prstGeom prst="rect">
+            <a:avLst/>
+          </a:prstGeom>
+        </p:spPr>
+      </p:pic>
+      <p:sp>
+        <p:nvSpPr>
+          <p:cNvPr id="9" name="Заголовок 1"/>
+          <p:cNvSpPr txBox="1">
+            <a:spLocks/>
+          </p:cNvSpPr>
+          <p:nvPr/>
+        </p:nvSpPr>
+        <p:spPr>
+          <a:xfrm>
+            <a:off x="6500007" y="1801517"/>
+            <a:ext cx="689368" cy="970450"/>
+          </a:xfrm>
+          <a:prstGeom prst="rect">
+            <a:avLst/>
+          </a:prstGeom>
+          <a:effectLst>
+            <a:outerShdw blurRad="25400" dir="17880000">
+              <a:srgbClr val="000000">
+                <a:alpha val="46000"/>
+              </a:srgbClr>
+            </a:outerShdw>
+          </a:effectLst>
+        </p:spPr>
+        <p:txBody>
+          <a:bodyPr vert="horz" lIns="91440" tIns="45720" rIns="91440" bIns="45720" rtlCol="0" anchor="ctr">
+            <a:normAutofit/>
+          </a:bodyPr>
+          <a:lstStyle>
+            <a:lvl1pPr algn="ctr" defTabSz="457200" rtl="0" eaLnBrk="1" latinLnBrk="0" hangingPunct="1">
+              <a:spcBef>
+                <a:spcPct val="0"/>
+              </a:spcBef>
+              <a:buNone/>
+              <a:defRPr sz="4000" kern="1200">
+                <a:ln>
+                  <a:solidFill>
+                    <a:schemeClr val="bg1">
+                      <a:lumMod val="75000"/>
+                      <a:lumOff val="25000"/>
+                      <a:alpha val="10000"/>
+                    </a:schemeClr>
+                  </a:solidFill>
+                </a:ln>
+                <a:solidFill>
+                  <a:schemeClr val="tx2"/>
+                </a:solidFill>
+                <a:effectLst>
+                  <a:outerShdw blurRad="9525" dist="25400" dir="14640000" algn="tl" rotWithShape="0">
+                    <a:schemeClr val="bg1">
+                      <a:alpha val="30000"/>
+                    </a:schemeClr>
+                  </a:outerShdw>
+                </a:effectLst>
+                <a:latin typeface="+mj-lt"/>
+                <a:ea typeface="+mj-ea"/>
+                <a:cs typeface="Trebuchet MS"/>
+              </a:defRPr>
+            </a:lvl1pPr>
+            <a:lvl2pPr eaLnBrk="1" hangingPunct="1">
+              <a:defRPr>
+                <a:solidFill>
+                  <a:schemeClr val="tx2"/>
+                </a:solidFill>
+              </a:defRPr>
+            </a:lvl2pPr>
+            <a:lvl3pPr eaLnBrk="1" hangingPunct="1">
+              <a:defRPr>
+                <a:solidFill>
+                  <a:schemeClr val="tx2"/>
+                </a:solidFill>
+              </a:defRPr>
+            </a:lvl3pPr>
+            <a:lvl4pPr eaLnBrk="1" hangingPunct="1">
+              <a:defRPr>
+                <a:solidFill>
+                  <a:schemeClr val="tx2"/>
+                </a:solidFill>
+              </a:defRPr>
+            </a:lvl4pPr>
+            <a:lvl5pPr eaLnBrk="1" hangingPunct="1">
+              <a:defRPr>
+                <a:solidFill>
+                  <a:schemeClr val="tx2"/>
+                </a:solidFill>
+              </a:defRPr>
+            </a:lvl5pPr>
+            <a:lvl6pPr eaLnBrk="1" hangingPunct="1">
+              <a:defRPr>
+                <a:solidFill>
+                  <a:schemeClr val="tx2"/>
+                </a:solidFill>
+              </a:defRPr>
+            </a:lvl6pPr>
+            <a:lvl7pPr eaLnBrk="1" hangingPunct="1">
+              <a:defRPr>
+                <a:solidFill>
+                  <a:schemeClr val="tx2"/>
+                </a:solidFill>
+              </a:defRPr>
+            </a:lvl7pPr>
+            <a:lvl8pPr eaLnBrk="1" hangingPunct="1">
+              <a:defRPr>
+                <a:solidFill>
+                  <a:schemeClr val="tx2"/>
+                </a:solidFill>
+              </a:defRPr>
+            </a:lvl8pPr>
+            <a:lvl9pPr eaLnBrk="1" hangingPunct="1">
+              <a:defRPr>
+                <a:solidFill>
+                  <a:schemeClr val="tx2"/>
+                </a:solidFill>
+              </a:defRPr>
+            </a:lvl9pPr>
+          </a:lstStyle>
+          <a:p>
+            <a:pPr algn="l"/>
+            <a:r>
+              <a:rPr lang="ru-RU" dirty="0" smtClean="0"/>
+              <a:t>3</a:t>
+            </a:r>
+            <a:endParaRPr lang="ru-RU" dirty="0"/>
+          </a:p>
+        </p:txBody>
+      </p:sp>
+      <p:sp>
+        <p:nvSpPr>
+          <p:cNvPr id="10" name="Заголовок 1"/>
+          <p:cNvSpPr txBox="1">
+            <a:spLocks/>
+          </p:cNvSpPr>
+          <p:nvPr/>
+        </p:nvSpPr>
+        <p:spPr>
+          <a:xfrm>
+            <a:off x="6500007" y="4397233"/>
+            <a:ext cx="689368" cy="970450"/>
+          </a:xfrm>
+          <a:prstGeom prst="rect">
+            <a:avLst/>
+          </a:prstGeom>
+          <a:effectLst>
+            <a:outerShdw blurRad="25400" dir="17880000">
+              <a:srgbClr val="000000">
+                <a:alpha val="46000"/>
+              </a:srgbClr>
+            </a:outerShdw>
+          </a:effectLst>
+        </p:spPr>
+        <p:txBody>
+          <a:bodyPr vert="horz" lIns="91440" tIns="45720" rIns="91440" bIns="45720" rtlCol="0" anchor="ctr">
+            <a:normAutofit/>
+          </a:bodyPr>
+          <a:lstStyle>
+            <a:lvl1pPr algn="ctr" defTabSz="457200" rtl="0" eaLnBrk="1" latinLnBrk="0" hangingPunct="1">
+              <a:spcBef>
+                <a:spcPct val="0"/>
+              </a:spcBef>
+              <a:buNone/>
+              <a:defRPr sz="4000" kern="1200">
+                <a:ln>
+                  <a:solidFill>
+                    <a:schemeClr val="bg1">
+                      <a:lumMod val="75000"/>
+                      <a:lumOff val="25000"/>
+                      <a:alpha val="10000"/>
+                    </a:schemeClr>
+                  </a:solidFill>
+                </a:ln>
+                <a:solidFill>
+                  <a:schemeClr val="tx2"/>
+                </a:solidFill>
+                <a:effectLst>
+                  <a:outerShdw blurRad="9525" dist="25400" dir="14640000" algn="tl" rotWithShape="0">
+                    <a:schemeClr val="bg1">
+                      <a:alpha val="30000"/>
+                    </a:schemeClr>
+                  </a:outerShdw>
+                </a:effectLst>
+                <a:latin typeface="+mj-lt"/>
+                <a:ea typeface="+mj-ea"/>
+                <a:cs typeface="Trebuchet MS"/>
+              </a:defRPr>
+            </a:lvl1pPr>
+            <a:lvl2pPr eaLnBrk="1" hangingPunct="1">
+              <a:defRPr>
+                <a:solidFill>
+                  <a:schemeClr val="tx2"/>
+                </a:solidFill>
+              </a:defRPr>
+            </a:lvl2pPr>
+            <a:lvl3pPr eaLnBrk="1" hangingPunct="1">
+              <a:defRPr>
+                <a:solidFill>
+                  <a:schemeClr val="tx2"/>
+                </a:solidFill>
+              </a:defRPr>
+            </a:lvl3pPr>
+            <a:lvl4pPr eaLnBrk="1" hangingPunct="1">
+              <a:defRPr>
+                <a:solidFill>
+                  <a:schemeClr val="tx2"/>
+                </a:solidFill>
+              </a:defRPr>
+            </a:lvl4pPr>
+            <a:lvl5pPr eaLnBrk="1" hangingPunct="1">
+              <a:defRPr>
+                <a:solidFill>
+                  <a:schemeClr val="tx2"/>
+                </a:solidFill>
+              </a:defRPr>
+            </a:lvl5pPr>
+            <a:lvl6pPr eaLnBrk="1" hangingPunct="1">
+              <a:defRPr>
+                <a:solidFill>
+                  <a:schemeClr val="tx2"/>
+                </a:solidFill>
+              </a:defRPr>
+            </a:lvl6pPr>
+            <a:lvl7pPr eaLnBrk="1" hangingPunct="1">
+              <a:defRPr>
+                <a:solidFill>
+                  <a:schemeClr val="tx2"/>
+                </a:solidFill>
+              </a:defRPr>
+            </a:lvl7pPr>
+            <a:lvl8pPr eaLnBrk="1" hangingPunct="1">
+              <a:defRPr>
+                <a:solidFill>
+                  <a:schemeClr val="tx2"/>
+                </a:solidFill>
+              </a:defRPr>
+            </a:lvl8pPr>
+            <a:lvl9pPr eaLnBrk="1" hangingPunct="1">
+              <a:defRPr>
+                <a:solidFill>
+                  <a:schemeClr val="tx2"/>
+                </a:solidFill>
+              </a:defRPr>
+            </a:lvl9pPr>
+          </a:lstStyle>
+          <a:p>
+            <a:pPr algn="l"/>
+            <a:r>
+              <a:rPr lang="ru-RU" dirty="0" smtClean="0"/>
+              <a:t>4</a:t>
+            </a:r>
+            <a:endParaRPr lang="ru-RU" dirty="0"/>
           </a:p>
         </p:txBody>
       </p:sp>
@@ -6615,6 +8637,303 @@
     <p:extLst>
       <p:ext uri="{BB962C8B-B14F-4D97-AF65-F5344CB8AC3E}">
         <p14:creationId xmlns:p14="http://schemas.microsoft.com/office/powerpoint/2010/main" val="3648988237"/>
+      </p:ext>
+    </p:extLst>
+  </p:cSld>
+  <p:clrMapOvr>
+    <a:masterClrMapping/>
+  </p:clrMapOvr>
+</p:sld>
+</file>
+
+<file path=ppt/slides/slide9.xml><?xml version="1.0" encoding="utf-8"?>
+<p:sld xmlns:a="http://schemas.openxmlformats.org/drawingml/2006/main" xmlns:r="http://schemas.openxmlformats.org/officeDocument/2006/relationships" xmlns:p="http://schemas.openxmlformats.org/presentationml/2006/main">
+  <p:cSld>
+    <p:spTree>
+      <p:nvGrpSpPr>
+        <p:cNvPr id="1" name=""/>
+        <p:cNvGrpSpPr/>
+        <p:nvPr/>
+      </p:nvGrpSpPr>
+      <p:grpSpPr>
+        <a:xfrm>
+          <a:off x="0" y="0"/>
+          <a:ext cx="0" cy="0"/>
+          <a:chOff x="0" y="0"/>
+          <a:chExt cx="0" cy="0"/>
+        </a:xfrm>
+      </p:grpSpPr>
+      <p:sp>
+        <p:nvSpPr>
+          <p:cNvPr id="2" name="Заголовок 1"/>
+          <p:cNvSpPr>
+            <a:spLocks noGrp="1"/>
+          </p:cNvSpPr>
+          <p:nvPr>
+            <p:ph type="title"/>
+          </p:nvPr>
+        </p:nvSpPr>
+        <p:spPr>
+          <a:xfrm>
+            <a:off x="5123838" y="1262527"/>
+            <a:ext cx="10353762" cy="970450"/>
+          </a:xfrm>
+        </p:spPr>
+        <p:txBody>
+          <a:bodyPr>
+            <a:normAutofit/>
+          </a:bodyPr>
+          <a:lstStyle/>
+          <a:p>
+            <a:pPr algn="l"/>
+            <a:r>
+              <a:rPr lang="ru-RU" sz="2800" dirty="0" smtClean="0"/>
+              <a:t>Вывод сотрудников в зависимости от </a:t>
+            </a:r>
+            <a:br>
+              <a:rPr lang="ru-RU" sz="2800" dirty="0" smtClean="0"/>
+            </a:br>
+            <a:r>
+              <a:rPr lang="ru-RU" sz="2800" dirty="0" smtClean="0"/>
+              <a:t>выбранной специальности</a:t>
+            </a:r>
+            <a:endParaRPr lang="ru-RU" sz="2800" dirty="0"/>
+          </a:p>
+        </p:txBody>
+      </p:sp>
+      <p:pic>
+        <p:nvPicPr>
+          <p:cNvPr id="4" name="Рисунок 3"/>
+          <p:cNvPicPr/>
+          <p:nvPr/>
+        </p:nvPicPr>
+        <p:blipFill>
+          <a:blip r:embed="rId2"/>
+          <a:stretch>
+            <a:fillRect/>
+          </a:stretch>
+        </p:blipFill>
+        <p:spPr>
+          <a:xfrm>
+            <a:off x="597811" y="253390"/>
+            <a:ext cx="4450439" cy="3176270"/>
+          </a:xfrm>
+          <a:prstGeom prst="rect">
+            <a:avLst/>
+          </a:prstGeom>
+        </p:spPr>
+      </p:pic>
+      <p:pic>
+        <p:nvPicPr>
+          <p:cNvPr id="5" name="Рисунок 4"/>
+          <p:cNvPicPr/>
+          <p:nvPr/>
+        </p:nvPicPr>
+        <p:blipFill>
+          <a:blip r:embed="rId3"/>
+          <a:stretch>
+            <a:fillRect/>
+          </a:stretch>
+        </p:blipFill>
+        <p:spPr>
+          <a:xfrm>
+            <a:off x="7883044" y="2738967"/>
+            <a:ext cx="3942080" cy="3570605"/>
+          </a:xfrm>
+          <a:prstGeom prst="rect">
+            <a:avLst/>
+          </a:prstGeom>
+        </p:spPr>
+      </p:pic>
+      <p:sp>
+        <p:nvSpPr>
+          <p:cNvPr id="6" name="Заголовок 1"/>
+          <p:cNvSpPr txBox="1">
+            <a:spLocks/>
+          </p:cNvSpPr>
+          <p:nvPr/>
+        </p:nvSpPr>
+        <p:spPr>
+          <a:xfrm>
+            <a:off x="949265" y="4120353"/>
+            <a:ext cx="10353762" cy="970450"/>
+          </a:xfrm>
+          <a:prstGeom prst="rect">
+            <a:avLst/>
+          </a:prstGeom>
+          <a:effectLst>
+            <a:outerShdw blurRad="25400" dir="17880000">
+              <a:srgbClr val="000000">
+                <a:alpha val="46000"/>
+              </a:srgbClr>
+            </a:outerShdw>
+          </a:effectLst>
+        </p:spPr>
+        <p:txBody>
+          <a:bodyPr vert="horz" lIns="91440" tIns="45720" rIns="91440" bIns="45720" rtlCol="0" anchor="ctr">
+            <a:normAutofit/>
+          </a:bodyPr>
+          <a:lstStyle>
+            <a:lvl1pPr algn="ctr" defTabSz="457200" rtl="0" eaLnBrk="1" latinLnBrk="0" hangingPunct="1">
+              <a:spcBef>
+                <a:spcPct val="0"/>
+              </a:spcBef>
+              <a:buNone/>
+              <a:defRPr sz="4000" kern="1200">
+                <a:ln>
+                  <a:solidFill>
+                    <a:schemeClr val="bg1">
+                      <a:lumMod val="75000"/>
+                      <a:lumOff val="25000"/>
+                      <a:alpha val="10000"/>
+                    </a:schemeClr>
+                  </a:solidFill>
+                </a:ln>
+                <a:solidFill>
+                  <a:schemeClr val="tx2"/>
+                </a:solidFill>
+                <a:effectLst>
+                  <a:outerShdw blurRad="9525" dist="25400" dir="14640000" algn="tl" rotWithShape="0">
+                    <a:schemeClr val="bg1">
+                      <a:alpha val="30000"/>
+                    </a:schemeClr>
+                  </a:outerShdw>
+                </a:effectLst>
+                <a:latin typeface="+mj-lt"/>
+                <a:ea typeface="+mj-ea"/>
+                <a:cs typeface="Trebuchet MS"/>
+              </a:defRPr>
+            </a:lvl1pPr>
+            <a:lvl2pPr eaLnBrk="1" hangingPunct="1">
+              <a:defRPr>
+                <a:solidFill>
+                  <a:schemeClr val="tx2"/>
+                </a:solidFill>
+              </a:defRPr>
+            </a:lvl2pPr>
+            <a:lvl3pPr eaLnBrk="1" hangingPunct="1">
+              <a:defRPr>
+                <a:solidFill>
+                  <a:schemeClr val="tx2"/>
+                </a:solidFill>
+              </a:defRPr>
+            </a:lvl3pPr>
+            <a:lvl4pPr eaLnBrk="1" hangingPunct="1">
+              <a:defRPr>
+                <a:solidFill>
+                  <a:schemeClr val="tx2"/>
+                </a:solidFill>
+              </a:defRPr>
+            </a:lvl4pPr>
+            <a:lvl5pPr eaLnBrk="1" hangingPunct="1">
+              <a:defRPr>
+                <a:solidFill>
+                  <a:schemeClr val="tx2"/>
+                </a:solidFill>
+              </a:defRPr>
+            </a:lvl5pPr>
+            <a:lvl6pPr eaLnBrk="1" hangingPunct="1">
+              <a:defRPr>
+                <a:solidFill>
+                  <a:schemeClr val="tx2"/>
+                </a:solidFill>
+              </a:defRPr>
+            </a:lvl6pPr>
+            <a:lvl7pPr eaLnBrk="1" hangingPunct="1">
+              <a:defRPr>
+                <a:solidFill>
+                  <a:schemeClr val="tx2"/>
+                </a:solidFill>
+              </a:defRPr>
+            </a:lvl7pPr>
+            <a:lvl8pPr eaLnBrk="1" hangingPunct="1">
+              <a:defRPr>
+                <a:solidFill>
+                  <a:schemeClr val="tx2"/>
+                </a:solidFill>
+              </a:defRPr>
+            </a:lvl8pPr>
+            <a:lvl9pPr eaLnBrk="1" hangingPunct="1">
+              <a:defRPr>
+                <a:solidFill>
+                  <a:schemeClr val="tx2"/>
+                </a:solidFill>
+              </a:defRPr>
+            </a:lvl9pPr>
+          </a:lstStyle>
+          <a:p>
+            <a:pPr algn="l"/>
+            <a:r>
+              <a:rPr lang="ru-RU" sz="2800" dirty="0" smtClean="0"/>
+              <a:t>Окно добавления сотрудника</a:t>
+            </a:r>
+          </a:p>
+          <a:p>
+            <a:pPr algn="l"/>
+            <a:r>
+              <a:rPr lang="ru-RU" sz="2800" dirty="0" smtClean="0"/>
+              <a:t>Открывается при нажатии на кнопку «+»</a:t>
+            </a:r>
+            <a:r>
+              <a:rPr lang="en-US" sz="2800" dirty="0" smtClean="0"/>
+              <a:t> </a:t>
+            </a:r>
+            <a:endParaRPr lang="ru-RU" sz="2800" dirty="0"/>
+          </a:p>
+        </p:txBody>
+      </p:sp>
+      <p:sp>
+        <p:nvSpPr>
+          <p:cNvPr id="7" name="Стрелка влево 6"/>
+          <p:cNvSpPr/>
+          <p:nvPr/>
+        </p:nvSpPr>
+        <p:spPr>
+          <a:xfrm>
+            <a:off x="3352801" y="2901584"/>
+            <a:ext cx="342900" cy="108316"/>
+          </a:xfrm>
+          <a:prstGeom prst="leftArrow">
+            <a:avLst/>
+          </a:prstGeom>
+          <a:solidFill>
+            <a:srgbClr val="FF0000"/>
+          </a:solidFill>
+          <a:ln>
+            <a:solidFill>
+              <a:srgbClr val="FF0000"/>
+            </a:solidFill>
+          </a:ln>
+        </p:spPr>
+        <p:style>
+          <a:lnRef idx="2">
+            <a:schemeClr val="accent1">
+              <a:shade val="50000"/>
+            </a:schemeClr>
+          </a:lnRef>
+          <a:fillRef idx="1">
+            <a:schemeClr val="accent1"/>
+          </a:fillRef>
+          <a:effectRef idx="0">
+            <a:schemeClr val="accent1"/>
+          </a:effectRef>
+          <a:fontRef idx="minor">
+            <a:schemeClr val="lt1"/>
+          </a:fontRef>
+        </p:style>
+        <p:txBody>
+          <a:bodyPr rtlCol="0" anchor="ctr"/>
+          <a:lstStyle/>
+          <a:p>
+            <a:pPr algn="ctr"/>
+            <a:endParaRPr lang="ru-RU"/>
+          </a:p>
+        </p:txBody>
+      </p:sp>
+    </p:spTree>
+    <p:extLst>
+      <p:ext uri="{BB962C8B-B14F-4D97-AF65-F5344CB8AC3E}">
+        <p14:creationId xmlns:p14="http://schemas.microsoft.com/office/powerpoint/2010/main" val="254162349"/>
       </p:ext>
     </p:extLst>
   </p:cSld>

--- a/kys.pptx
+++ b/kys.pptx
@@ -17,6 +17,7 @@
     <p:sldId id="267" r:id="rId11"/>
     <p:sldId id="265" r:id="rId12"/>
     <p:sldId id="266" r:id="rId13"/>
+    <p:sldId id="268" r:id="rId14"/>
   </p:sldIdLst>
   <p:sldSz cx="12192000" cy="6858000"/>
   <p:notesSz cx="6858000" cy="9144000"/>
@@ -309,7 +310,7 @@
             <a:fld id="{8E36636D-D922-432D-A958-524484B5923D}" type="datetimeFigureOut">
               <a:rPr lang="en-US" dirty="0"/>
               <a:pPr/>
-              <a:t>5/18/2019</a:t>
+              <a:t>5/19/2019</a:t>
             </a:fld>
             <a:endParaRPr lang="en-US" dirty="0"/>
           </a:p>
@@ -603,7 +604,7 @@
           <a:p>
             <a:fld id="{48A87A34-81AB-432B-8DAE-1953F412C126}" type="datetimeFigureOut">
               <a:rPr lang="en-US" dirty="0"/>
-              <a:t>5/18/2019</a:t>
+              <a:t>5/19/2019</a:t>
             </a:fld>
             <a:endParaRPr lang="en-US" dirty="0"/>
           </a:p>
@@ -790,7 +791,7 @@
           <a:p>
             <a:fld id="{48A87A34-81AB-432B-8DAE-1953F412C126}" type="datetimeFigureOut">
               <a:rPr lang="en-US" dirty="0"/>
-              <a:t>5/18/2019</a:t>
+              <a:t>5/19/2019</a:t>
             </a:fld>
             <a:endParaRPr lang="en-US" dirty="0"/>
           </a:p>
@@ -1046,7 +1047,7 @@
           <a:p>
             <a:fld id="{48A87A34-81AB-432B-8DAE-1953F412C126}" type="datetimeFigureOut">
               <a:rPr lang="en-US" dirty="0"/>
-              <a:t>5/18/2019</a:t>
+              <a:t>5/19/2019</a:t>
             </a:fld>
             <a:endParaRPr lang="en-US" dirty="0"/>
           </a:p>
@@ -1465,7 +1466,7 @@
           <a:p>
             <a:fld id="{48A87A34-81AB-432B-8DAE-1953F412C126}" type="datetimeFigureOut">
               <a:rPr lang="en-US" dirty="0"/>
-              <a:t>5/18/2019</a:t>
+              <a:t>5/19/2019</a:t>
             </a:fld>
             <a:endParaRPr lang="en-US" dirty="0"/>
           </a:p>
@@ -1997,7 +1998,7 @@
           <a:p>
             <a:fld id="{48A87A34-81AB-432B-8DAE-1953F412C126}" type="datetimeFigureOut">
               <a:rPr lang="en-US" dirty="0"/>
-              <a:t>5/18/2019</a:t>
+              <a:t>5/19/2019</a:t>
             </a:fld>
             <a:endParaRPr lang="en-US" dirty="0"/>
           </a:p>
@@ -2856,7 +2857,7 @@
           <a:p>
             <a:fld id="{48A87A34-81AB-432B-8DAE-1953F412C126}" type="datetimeFigureOut">
               <a:rPr lang="en-US" dirty="0"/>
-              <a:t>5/18/2019</a:t>
+              <a:t>5/19/2019</a:t>
             </a:fld>
             <a:endParaRPr lang="en-US" dirty="0"/>
           </a:p>
@@ -3022,7 +3023,7 @@
             <a:fld id="{8E36636D-D922-432D-A958-524484B5923D}" type="datetimeFigureOut">
               <a:rPr lang="en-US" dirty="0"/>
               <a:pPr/>
-              <a:t>5/18/2019</a:t>
+              <a:t>5/19/2019</a:t>
             </a:fld>
             <a:endParaRPr lang="en-US" dirty="0"/>
           </a:p>
@@ -3203,7 +3204,7 @@
             <a:fld id="{8E36636D-D922-432D-A958-524484B5923D}" type="datetimeFigureOut">
               <a:rPr lang="en-US" dirty="0"/>
               <a:pPr/>
-              <a:t>5/18/2019</a:t>
+              <a:t>5/19/2019</a:t>
             </a:fld>
             <a:endParaRPr lang="en-US" dirty="0"/>
           </a:p>
@@ -3370,7 +3371,7 @@
             <a:fld id="{8E36636D-D922-432D-A958-524484B5923D}" type="datetimeFigureOut">
               <a:rPr lang="en-US" dirty="0"/>
               <a:pPr/>
-              <a:t>5/18/2019</a:t>
+              <a:t>5/19/2019</a:t>
             </a:fld>
             <a:endParaRPr lang="en-US" dirty="0"/>
           </a:p>
@@ -3611,7 +3612,7 @@
             <a:fld id="{8E36636D-D922-432D-A958-524484B5923D}" type="datetimeFigureOut">
               <a:rPr lang="en-US" dirty="0"/>
               <a:pPr/>
-              <a:t>5/18/2019</a:t>
+              <a:t>5/19/2019</a:t>
             </a:fld>
             <a:endParaRPr lang="en-US" dirty="0"/>
           </a:p>
@@ -3844,7 +3845,7 @@
             <a:fld id="{8E36636D-D922-432D-A958-524484B5923D}" type="datetimeFigureOut">
               <a:rPr lang="en-US" dirty="0"/>
               <a:pPr/>
-              <a:t>5/18/2019</a:t>
+              <a:t>5/19/2019</a:t>
             </a:fld>
             <a:endParaRPr lang="en-US" dirty="0"/>
           </a:p>
@@ -4307,7 +4308,7 @@
             <a:fld id="{8E36636D-D922-432D-A958-524484B5923D}" type="datetimeFigureOut">
               <a:rPr lang="en-US" dirty="0"/>
               <a:pPr/>
-              <a:t>5/18/2019</a:t>
+              <a:t>5/19/2019</a:t>
             </a:fld>
             <a:endParaRPr lang="en-US" dirty="0"/>
           </a:p>
@@ -4422,7 +4423,7 @@
             <a:fld id="{8E36636D-D922-432D-A958-524484B5923D}" type="datetimeFigureOut">
               <a:rPr lang="en-US" dirty="0"/>
               <a:pPr/>
-              <a:t>5/18/2019</a:t>
+              <a:t>5/19/2019</a:t>
             </a:fld>
             <a:endParaRPr lang="en-US" dirty="0"/>
           </a:p>
@@ -4514,7 +4515,7 @@
             <a:fld id="{8E36636D-D922-432D-A958-524484B5923D}" type="datetimeFigureOut">
               <a:rPr lang="en-US" dirty="0"/>
               <a:pPr/>
-              <a:t>5/18/2019</a:t>
+              <a:t>5/19/2019</a:t>
             </a:fld>
             <a:endParaRPr lang="en-US" dirty="0"/>
           </a:p>
@@ -4766,7 +4767,7 @@
             <a:fld id="{8E36636D-D922-432D-A958-524484B5923D}" type="datetimeFigureOut">
               <a:rPr lang="en-US" dirty="0"/>
               <a:pPr/>
-              <a:t>5/18/2019</a:t>
+              <a:t>5/19/2019</a:t>
             </a:fld>
             <a:endParaRPr lang="en-US" dirty="0"/>
           </a:p>
@@ -5063,7 +5064,7 @@
             <a:fld id="{8E36636D-D922-432D-A958-524484B5923D}" type="datetimeFigureOut">
               <a:rPr lang="en-US" dirty="0"/>
               <a:pPr/>
-              <a:t>5/18/2019</a:t>
+              <a:t>5/19/2019</a:t>
             </a:fld>
             <a:endParaRPr lang="en-US" dirty="0"/>
           </a:p>
@@ -5294,7 +5295,7 @@
             <a:fld id="{8E36636D-D922-432D-A958-524484B5923D}" type="datetimeFigureOut">
               <a:rPr lang="en-US" dirty="0"/>
               <a:pPr/>
-              <a:t>5/18/2019</a:t>
+              <a:t>5/19/2019</a:t>
             </a:fld>
             <a:endParaRPr lang="en-US" dirty="0"/>
           </a:p>
@@ -6070,6 +6071,18 @@
   <p:clrMapOvr>
     <a:masterClrMapping/>
   </p:clrMapOvr>
+  <mc:AlternateContent xmlns:mc="http://schemas.openxmlformats.org/markup-compatibility/2006">
+    <mc:Choice xmlns:p14="http://schemas.microsoft.com/office/powerpoint/2010/main" Requires="p14">
+      <p:transition spd="slow" p14:dur="3400">
+        <p14:reveal/>
+      </p:transition>
+    </mc:Choice>
+    <mc:Fallback>
+      <p:transition spd="slow">
+        <p:fade/>
+      </p:transition>
+    </mc:Fallback>
+  </mc:AlternateContent>
   <p:timing>
     <p:tnLst>
       <p:par>
@@ -6332,6 +6345,25 @@
   <p:clrMapOvr>
     <a:masterClrMapping/>
   </p:clrMapOvr>
+  <mc:AlternateContent xmlns:mc="http://schemas.openxmlformats.org/markup-compatibility/2006">
+    <mc:Choice xmlns:p14="http://schemas.microsoft.com/office/powerpoint/2010/main" Requires="p14">
+      <p:transition spd="slow" p14:dur="3400">
+        <p14:reveal/>
+      </p:transition>
+    </mc:Choice>
+    <mc:Fallback>
+      <p:transition spd="slow">
+        <p:fade/>
+      </p:transition>
+    </mc:Fallback>
+  </mc:AlternateContent>
+  <p:timing>
+    <p:tnLst>
+      <p:par>
+        <p:cTn id="1" dur="indefinite" restart="never" nodeType="tmRoot"/>
+      </p:par>
+    </p:tnLst>
+  </p:timing>
 </p:sld>
 </file>
 
@@ -6516,6 +6548,25 @@
   <p:clrMapOvr>
     <a:masterClrMapping/>
   </p:clrMapOvr>
+  <mc:AlternateContent xmlns:mc="http://schemas.openxmlformats.org/markup-compatibility/2006">
+    <mc:Choice xmlns:p14="http://schemas.microsoft.com/office/powerpoint/2010/main" Requires="p14">
+      <p:transition spd="slow" p14:dur="3400">
+        <p14:reveal/>
+      </p:transition>
+    </mc:Choice>
+    <mc:Fallback>
+      <p:transition spd="slow">
+        <p:fade/>
+      </p:transition>
+    </mc:Fallback>
+  </mc:AlternateContent>
+  <p:timing>
+    <p:tnLst>
+      <p:par>
+        <p:cTn id="1" dur="indefinite" restart="never" nodeType="tmRoot"/>
+      </p:par>
+    </p:tnLst>
+  </p:timing>
 </p:sld>
 </file>
 
@@ -6794,6 +6845,151 @@
   <p:clrMapOvr>
     <a:masterClrMapping/>
   </p:clrMapOvr>
+  <mc:AlternateContent xmlns:mc="http://schemas.openxmlformats.org/markup-compatibility/2006">
+    <mc:Choice xmlns:p14="http://schemas.microsoft.com/office/powerpoint/2010/main" Requires="p14">
+      <p:transition spd="slow" p14:dur="3400">
+        <p14:reveal/>
+      </p:transition>
+    </mc:Choice>
+    <mc:Fallback>
+      <p:transition spd="slow">
+        <p:fade/>
+      </p:transition>
+    </mc:Fallback>
+  </mc:AlternateContent>
+  <p:timing>
+    <p:tnLst>
+      <p:par>
+        <p:cTn id="1" dur="indefinite" restart="never" nodeType="tmRoot"/>
+      </p:par>
+    </p:tnLst>
+  </p:timing>
+</p:sld>
+</file>
+
+<file path=ppt/slides/slide13.xml><?xml version="1.0" encoding="utf-8"?>
+<p:sld xmlns:a="http://schemas.openxmlformats.org/drawingml/2006/main" xmlns:r="http://schemas.openxmlformats.org/officeDocument/2006/relationships" xmlns:p="http://schemas.openxmlformats.org/presentationml/2006/main">
+  <p:cSld>
+    <p:spTree>
+      <p:nvGrpSpPr>
+        <p:cNvPr id="1" name=""/>
+        <p:cNvGrpSpPr/>
+        <p:nvPr/>
+      </p:nvGrpSpPr>
+      <p:grpSpPr>
+        <a:xfrm>
+          <a:off x="0" y="0"/>
+          <a:ext cx="0" cy="0"/>
+          <a:chOff x="0" y="0"/>
+          <a:chExt cx="0" cy="0"/>
+        </a:xfrm>
+      </p:grpSpPr>
+      <p:sp>
+        <p:nvSpPr>
+          <p:cNvPr id="2" name="Заголовок 1"/>
+          <p:cNvSpPr>
+            <a:spLocks noGrp="1"/>
+          </p:cNvSpPr>
+          <p:nvPr>
+            <p:ph type="title"/>
+          </p:nvPr>
+        </p:nvSpPr>
+        <p:spPr/>
+        <p:txBody>
+          <a:bodyPr/>
+          <a:lstStyle/>
+          <a:p>
+            <a:endParaRPr lang="ru-RU"/>
+          </a:p>
+        </p:txBody>
+      </p:sp>
+      <p:sp>
+        <p:nvSpPr>
+          <p:cNvPr id="3" name="Объект 2"/>
+          <p:cNvSpPr>
+            <a:spLocks noGrp="1"/>
+          </p:cNvSpPr>
+          <p:nvPr>
+            <p:ph idx="1"/>
+          </p:nvPr>
+        </p:nvSpPr>
+        <p:spPr/>
+        <p:txBody>
+          <a:bodyPr/>
+          <a:lstStyle/>
+          <a:p>
+            <a:endParaRPr lang="ru-RU"/>
+          </a:p>
+        </p:txBody>
+      </p:sp>
+      <p:pic>
+        <p:nvPicPr>
+          <p:cNvPr id="5" name="Рисунок 4"/>
+          <p:cNvPicPr>
+            <a:picLocks noChangeAspect="1"/>
+          </p:cNvPicPr>
+          <p:nvPr/>
+        </p:nvPicPr>
+        <p:blipFill>
+          <a:blip r:embed="rId2"/>
+          <a:stretch>
+            <a:fillRect/>
+          </a:stretch>
+        </p:blipFill>
+        <p:spPr>
+          <a:xfrm>
+            <a:off x="0" y="0"/>
+            <a:ext cx="12618720" cy="6858000"/>
+          </a:xfrm>
+          <a:prstGeom prst="rect">
+            <a:avLst/>
+          </a:prstGeom>
+        </p:spPr>
+      </p:pic>
+      <p:pic>
+        <p:nvPicPr>
+          <p:cNvPr id="6" name="Рисунок 5"/>
+          <p:cNvPicPr>
+            <a:picLocks noChangeAspect="1"/>
+          </p:cNvPicPr>
+          <p:nvPr/>
+        </p:nvPicPr>
+        <p:blipFill>
+          <a:blip r:embed="rId3"/>
+          <a:stretch>
+            <a:fillRect/>
+          </a:stretch>
+        </p:blipFill>
+        <p:spPr>
+          <a:xfrm>
+            <a:off x="1543050" y="47625"/>
+            <a:ext cx="9105900" cy="6762750"/>
+          </a:xfrm>
+          <a:prstGeom prst="rect">
+            <a:avLst/>
+          </a:prstGeom>
+        </p:spPr>
+      </p:pic>
+    </p:spTree>
+    <p:extLst>
+      <p:ext uri="{BB962C8B-B14F-4D97-AF65-F5344CB8AC3E}">
+        <p14:creationId xmlns:p14="http://schemas.microsoft.com/office/powerpoint/2010/main" val="1047948126"/>
+      </p:ext>
+    </p:extLst>
+  </p:cSld>
+  <p:clrMapOvr>
+    <a:masterClrMapping/>
+  </p:clrMapOvr>
+  <p:transition spd="slow">
+    <p:cover/>
+  </p:transition>
+  <p:timing>
+    <p:tnLst>
+      <p:par>
+        <p:cTn id="1" dur="indefinite" restart="never" nodeType="tmRoot"/>
+      </p:par>
+    </p:tnLst>
+  </p:timing>
 </p:sld>
 </file>
 
@@ -6986,6 +7182,150 @@
           </a:p>
         </p:txBody>
       </p:sp>
+      <p:cxnSp>
+        <p:nvCxnSpPr>
+          <p:cNvPr id="5" name="Прямая со стрелкой 4"/>
+          <p:cNvCxnSpPr/>
+          <p:nvPr/>
+        </p:nvCxnSpPr>
+        <p:spPr>
+          <a:xfrm>
+            <a:off x="913795" y="2566219"/>
+            <a:ext cx="492218" cy="0"/>
+          </a:xfrm>
+          <a:prstGeom prst="straightConnector1">
+            <a:avLst/>
+          </a:prstGeom>
+          <a:ln>
+            <a:solidFill>
+              <a:srgbClr val="FF0000"/>
+            </a:solidFill>
+            <a:tailEnd type="triangle"/>
+          </a:ln>
+        </p:spPr>
+        <p:style>
+          <a:lnRef idx="1">
+            <a:schemeClr val="accent1"/>
+          </a:lnRef>
+          <a:fillRef idx="0">
+            <a:schemeClr val="accent1"/>
+          </a:fillRef>
+          <a:effectRef idx="0">
+            <a:schemeClr val="accent1"/>
+          </a:effectRef>
+          <a:fontRef idx="minor">
+            <a:schemeClr val="tx1"/>
+          </a:fontRef>
+        </p:style>
+      </p:cxnSp>
+      <p:cxnSp>
+        <p:nvCxnSpPr>
+          <p:cNvPr id="6" name="Прямая со стрелкой 5"/>
+          <p:cNvCxnSpPr/>
+          <p:nvPr/>
+        </p:nvCxnSpPr>
+        <p:spPr>
+          <a:xfrm>
+            <a:off x="913795" y="3652683"/>
+            <a:ext cx="492218" cy="0"/>
+          </a:xfrm>
+          <a:prstGeom prst="straightConnector1">
+            <a:avLst/>
+          </a:prstGeom>
+          <a:ln>
+            <a:solidFill>
+              <a:srgbClr val="FF0000"/>
+            </a:solidFill>
+            <a:tailEnd type="triangle"/>
+          </a:ln>
+        </p:spPr>
+        <p:style>
+          <a:lnRef idx="1">
+            <a:schemeClr val="accent1"/>
+          </a:lnRef>
+          <a:fillRef idx="0">
+            <a:schemeClr val="accent1"/>
+          </a:fillRef>
+          <a:effectRef idx="0">
+            <a:schemeClr val="accent1"/>
+          </a:effectRef>
+          <a:fontRef idx="minor">
+            <a:schemeClr val="tx1"/>
+          </a:fontRef>
+        </p:style>
+      </p:cxnSp>
+      <p:cxnSp>
+        <p:nvCxnSpPr>
+          <p:cNvPr id="7" name="Прямая со стрелкой 6"/>
+          <p:cNvCxnSpPr/>
+          <p:nvPr/>
+        </p:nvCxnSpPr>
+        <p:spPr>
+          <a:xfrm>
+            <a:off x="913795" y="4114800"/>
+            <a:ext cx="492218" cy="0"/>
+          </a:xfrm>
+          <a:prstGeom prst="straightConnector1">
+            <a:avLst/>
+          </a:prstGeom>
+          <a:ln>
+            <a:solidFill>
+              <a:srgbClr val="FF0000"/>
+            </a:solidFill>
+            <a:tailEnd type="triangle"/>
+          </a:ln>
+        </p:spPr>
+        <p:style>
+          <a:lnRef idx="1">
+            <a:schemeClr val="accent1"/>
+          </a:lnRef>
+          <a:fillRef idx="0">
+            <a:schemeClr val="accent1"/>
+          </a:fillRef>
+          <a:effectRef idx="0">
+            <a:schemeClr val="accent1"/>
+          </a:effectRef>
+          <a:fontRef idx="minor">
+            <a:schemeClr val="tx1"/>
+          </a:fontRef>
+        </p:style>
+      </p:cxnSp>
+      <p:cxnSp>
+        <p:nvCxnSpPr>
+          <p:cNvPr id="8" name="Прямая со стрелкой 7"/>
+          <p:cNvCxnSpPr/>
+          <p:nvPr/>
+        </p:nvCxnSpPr>
+        <p:spPr>
+          <a:xfrm>
+            <a:off x="913795" y="5029199"/>
+            <a:ext cx="492218" cy="0"/>
+          </a:xfrm>
+          <a:prstGeom prst="straightConnector1">
+            <a:avLst/>
+          </a:prstGeom>
+          <a:ln>
+            <a:solidFill>
+              <a:srgbClr val="FF0000"/>
+            </a:solidFill>
+            <a:tailEnd type="triangle"/>
+          </a:ln>
+        </p:spPr>
+        <p:style>
+          <a:lnRef idx="1">
+            <a:schemeClr val="accent1"/>
+          </a:lnRef>
+          <a:fillRef idx="0">
+            <a:schemeClr val="accent1"/>
+          </a:fillRef>
+          <a:effectRef idx="0">
+            <a:schemeClr val="accent1"/>
+          </a:effectRef>
+          <a:fontRef idx="minor">
+            <a:schemeClr val="tx1"/>
+          </a:fontRef>
+        </p:style>
+      </p:cxnSp>
     </p:spTree>
     <p:extLst>
       <p:ext uri="{BB962C8B-B14F-4D97-AF65-F5344CB8AC3E}">
@@ -6996,6 +7336,18 @@
   <p:clrMapOvr>
     <a:masterClrMapping/>
   </p:clrMapOvr>
+  <mc:AlternateContent xmlns:mc="http://schemas.openxmlformats.org/markup-compatibility/2006">
+    <mc:Choice xmlns:p14="http://schemas.microsoft.com/office/powerpoint/2010/main" Requires="p14">
+      <p:transition spd="slow" p14:dur="3400">
+        <p14:reveal/>
+      </p:transition>
+    </mc:Choice>
+    <mc:Fallback>
+      <p:transition spd="slow">
+        <p:fade/>
+      </p:transition>
+    </mc:Fallback>
+  </mc:AlternateContent>
   <p:timing>
     <p:tnLst>
       <p:par>
@@ -7083,6 +7435,18 @@
   <p:clrMapOvr>
     <a:masterClrMapping/>
   </p:clrMapOvr>
+  <mc:AlternateContent xmlns:mc="http://schemas.openxmlformats.org/markup-compatibility/2006">
+    <mc:Choice xmlns:p14="http://schemas.microsoft.com/office/powerpoint/2010/main" Requires="p14">
+      <p:transition spd="slow" p14:dur="3400">
+        <p14:reveal/>
+      </p:transition>
+    </mc:Choice>
+    <mc:Fallback>
+      <p:transition spd="slow">
+        <p:fade/>
+      </p:transition>
+    </mc:Fallback>
+  </mc:AlternateContent>
   <p:timing>
     <p:tnLst>
       <p:par>
@@ -7174,6 +7538,18 @@
   <p:clrMapOvr>
     <a:masterClrMapping/>
   </p:clrMapOvr>
+  <mc:AlternateContent xmlns:mc="http://schemas.openxmlformats.org/markup-compatibility/2006">
+    <mc:Choice xmlns:p14="http://schemas.microsoft.com/office/powerpoint/2010/main" Requires="p14">
+      <p:transition spd="slow" p14:dur="3400">
+        <p14:reveal/>
+      </p:transition>
+    </mc:Choice>
+    <mc:Fallback>
+      <p:transition spd="slow">
+        <p:fade/>
+      </p:transition>
+    </mc:Fallback>
+  </mc:AlternateContent>
   <p:timing>
     <p:tnLst>
       <p:par>
@@ -7251,11 +7627,7 @@
           <a:p>
             <a:r>
               <a:rPr lang="ru-RU" dirty="0" smtClean="0"/>
-              <a:t>В </a:t>
-            </a:r>
-            <a:r>
-              <a:rPr lang="ru-RU" dirty="0" smtClean="0"/>
-              <a:t>данном проекте используется паттерн </a:t>
+              <a:t>В данном проекте используется паттерн </a:t>
             </a:r>
             <a:r>
               <a:rPr lang="en-US" dirty="0" smtClean="0"/>
@@ -7889,6 +8261,18 @@
   <p:clrMapOvr>
     <a:masterClrMapping/>
   </p:clrMapOvr>
+  <mc:AlternateContent xmlns:mc="http://schemas.openxmlformats.org/markup-compatibility/2006">
+    <mc:Choice xmlns:p14="http://schemas.microsoft.com/office/powerpoint/2010/main" Requires="p14">
+      <p:transition spd="slow" p14:dur="3400">
+        <p14:reveal/>
+      </p:transition>
+    </mc:Choice>
+    <mc:Fallback>
+      <p:transition spd="slow">
+        <p:fade/>
+      </p:transition>
+    </mc:Fallback>
+  </mc:AlternateContent>
   <p:timing>
     <p:tnLst>
       <p:par>
@@ -8064,6 +8448,18 @@
   <p:clrMapOvr>
     <a:masterClrMapping/>
   </p:clrMapOvr>
+  <mc:AlternateContent xmlns:mc="http://schemas.openxmlformats.org/markup-compatibility/2006">
+    <mc:Choice xmlns:p14="http://schemas.microsoft.com/office/powerpoint/2010/main" Requires="p14">
+      <p:transition spd="slow" p14:dur="3400">
+        <p14:reveal/>
+      </p:transition>
+    </mc:Choice>
+    <mc:Fallback>
+      <p:transition spd="slow">
+        <p:fade/>
+      </p:transition>
+    </mc:Fallback>
+  </mc:AlternateContent>
   <p:timing>
     <p:tnLst>
       <p:par>
@@ -8306,6 +8702,18 @@
   <p:clrMapOvr>
     <a:masterClrMapping/>
   </p:clrMapOvr>
+  <mc:AlternateContent xmlns:mc="http://schemas.openxmlformats.org/markup-compatibility/2006">
+    <mc:Choice xmlns:p14="http://schemas.microsoft.com/office/powerpoint/2010/main" Requires="p14">
+      <p:transition spd="slow" p14:dur="3400">
+        <p14:reveal/>
+      </p:transition>
+    </mc:Choice>
+    <mc:Fallback>
+      <p:transition spd="slow">
+        <p:fade/>
+      </p:transition>
+    </mc:Fallback>
+  </mc:AlternateContent>
   <p:timing>
     <p:tnLst>
       <p:par>
@@ -8643,6 +9051,25 @@
   <p:clrMapOvr>
     <a:masterClrMapping/>
   </p:clrMapOvr>
+  <mc:AlternateContent xmlns:mc="http://schemas.openxmlformats.org/markup-compatibility/2006">
+    <mc:Choice xmlns:p14="http://schemas.microsoft.com/office/powerpoint/2010/main" Requires="p14">
+      <p:transition spd="slow" p14:dur="3400">
+        <p14:reveal/>
+      </p:transition>
+    </mc:Choice>
+    <mc:Fallback>
+      <p:transition spd="slow">
+        <p:fade/>
+      </p:transition>
+    </mc:Fallback>
+  </mc:AlternateContent>
+  <p:timing>
+    <p:tnLst>
+      <p:par>
+        <p:cTn id="1" dur="indefinite" restart="never" nodeType="tmRoot"/>
+      </p:par>
+    </p:tnLst>
+  </p:timing>
 </p:sld>
 </file>
 
@@ -8940,6 +9367,25 @@
   <p:clrMapOvr>
     <a:masterClrMapping/>
   </p:clrMapOvr>
+  <mc:AlternateContent xmlns:mc="http://schemas.openxmlformats.org/markup-compatibility/2006">
+    <mc:Choice xmlns:p14="http://schemas.microsoft.com/office/powerpoint/2010/main" Requires="p14">
+      <p:transition spd="slow" p14:dur="3400">
+        <p14:reveal/>
+      </p:transition>
+    </mc:Choice>
+    <mc:Fallback>
+      <p:transition spd="slow">
+        <p:fade/>
+      </p:transition>
+    </mc:Fallback>
+  </mc:AlternateContent>
+  <p:timing>
+    <p:tnLst>
+      <p:par>
+        <p:cTn id="1" dur="indefinite" restart="never" nodeType="tmRoot"/>
+      </p:par>
+    </p:tnLst>
+  </p:timing>
 </p:sld>
 </file>
 

--- a/kys.pptx
+++ b/kys.pptx
@@ -310,7 +310,7 @@
             <a:fld id="{8E36636D-D922-432D-A958-524484B5923D}" type="datetimeFigureOut">
               <a:rPr lang="en-US" dirty="0"/>
               <a:pPr/>
-              <a:t>5/19/2019</a:t>
+              <a:t>5/20/2019</a:t>
             </a:fld>
             <a:endParaRPr lang="en-US" dirty="0"/>
           </a:p>
@@ -604,7 +604,7 @@
           <a:p>
             <a:fld id="{48A87A34-81AB-432B-8DAE-1953F412C126}" type="datetimeFigureOut">
               <a:rPr lang="en-US" dirty="0"/>
-              <a:t>5/19/2019</a:t>
+              <a:t>5/20/2019</a:t>
             </a:fld>
             <a:endParaRPr lang="en-US" dirty="0"/>
           </a:p>
@@ -791,7 +791,7 @@
           <a:p>
             <a:fld id="{48A87A34-81AB-432B-8DAE-1953F412C126}" type="datetimeFigureOut">
               <a:rPr lang="en-US" dirty="0"/>
-              <a:t>5/19/2019</a:t>
+              <a:t>5/20/2019</a:t>
             </a:fld>
             <a:endParaRPr lang="en-US" dirty="0"/>
           </a:p>
@@ -1047,7 +1047,7 @@
           <a:p>
             <a:fld id="{48A87A34-81AB-432B-8DAE-1953F412C126}" type="datetimeFigureOut">
               <a:rPr lang="en-US" dirty="0"/>
-              <a:t>5/19/2019</a:t>
+              <a:t>5/20/2019</a:t>
             </a:fld>
             <a:endParaRPr lang="en-US" dirty="0"/>
           </a:p>
@@ -1466,7 +1466,7 @@
           <a:p>
             <a:fld id="{48A87A34-81AB-432B-8DAE-1953F412C126}" type="datetimeFigureOut">
               <a:rPr lang="en-US" dirty="0"/>
-              <a:t>5/19/2019</a:t>
+              <a:t>5/20/2019</a:t>
             </a:fld>
             <a:endParaRPr lang="en-US" dirty="0"/>
           </a:p>
@@ -1998,7 +1998,7 @@
           <a:p>
             <a:fld id="{48A87A34-81AB-432B-8DAE-1953F412C126}" type="datetimeFigureOut">
               <a:rPr lang="en-US" dirty="0"/>
-              <a:t>5/19/2019</a:t>
+              <a:t>5/20/2019</a:t>
             </a:fld>
             <a:endParaRPr lang="en-US" dirty="0"/>
           </a:p>
@@ -2857,7 +2857,7 @@
           <a:p>
             <a:fld id="{48A87A34-81AB-432B-8DAE-1953F412C126}" type="datetimeFigureOut">
               <a:rPr lang="en-US" dirty="0"/>
-              <a:t>5/19/2019</a:t>
+              <a:t>5/20/2019</a:t>
             </a:fld>
             <a:endParaRPr lang="en-US" dirty="0"/>
           </a:p>
@@ -3023,7 +3023,7 @@
             <a:fld id="{8E36636D-D922-432D-A958-524484B5923D}" type="datetimeFigureOut">
               <a:rPr lang="en-US" dirty="0"/>
               <a:pPr/>
-              <a:t>5/19/2019</a:t>
+              <a:t>5/20/2019</a:t>
             </a:fld>
             <a:endParaRPr lang="en-US" dirty="0"/>
           </a:p>
@@ -3204,7 +3204,7 @@
             <a:fld id="{8E36636D-D922-432D-A958-524484B5923D}" type="datetimeFigureOut">
               <a:rPr lang="en-US" dirty="0"/>
               <a:pPr/>
-              <a:t>5/19/2019</a:t>
+              <a:t>5/20/2019</a:t>
             </a:fld>
             <a:endParaRPr lang="en-US" dirty="0"/>
           </a:p>
@@ -3371,7 +3371,7 @@
             <a:fld id="{8E36636D-D922-432D-A958-524484B5923D}" type="datetimeFigureOut">
               <a:rPr lang="en-US" dirty="0"/>
               <a:pPr/>
-              <a:t>5/19/2019</a:t>
+              <a:t>5/20/2019</a:t>
             </a:fld>
             <a:endParaRPr lang="en-US" dirty="0"/>
           </a:p>
@@ -3612,7 +3612,7 @@
             <a:fld id="{8E36636D-D922-432D-A958-524484B5923D}" type="datetimeFigureOut">
               <a:rPr lang="en-US" dirty="0"/>
               <a:pPr/>
-              <a:t>5/19/2019</a:t>
+              <a:t>5/20/2019</a:t>
             </a:fld>
             <a:endParaRPr lang="en-US" dirty="0"/>
           </a:p>
@@ -3845,7 +3845,7 @@
             <a:fld id="{8E36636D-D922-432D-A958-524484B5923D}" type="datetimeFigureOut">
               <a:rPr lang="en-US" dirty="0"/>
               <a:pPr/>
-              <a:t>5/19/2019</a:t>
+              <a:t>5/20/2019</a:t>
             </a:fld>
             <a:endParaRPr lang="en-US" dirty="0"/>
           </a:p>
@@ -4308,7 +4308,7 @@
             <a:fld id="{8E36636D-D922-432D-A958-524484B5923D}" type="datetimeFigureOut">
               <a:rPr lang="en-US" dirty="0"/>
               <a:pPr/>
-              <a:t>5/19/2019</a:t>
+              <a:t>5/20/2019</a:t>
             </a:fld>
             <a:endParaRPr lang="en-US" dirty="0"/>
           </a:p>
@@ -4423,7 +4423,7 @@
             <a:fld id="{8E36636D-D922-432D-A958-524484B5923D}" type="datetimeFigureOut">
               <a:rPr lang="en-US" dirty="0"/>
               <a:pPr/>
-              <a:t>5/19/2019</a:t>
+              <a:t>5/20/2019</a:t>
             </a:fld>
             <a:endParaRPr lang="en-US" dirty="0"/>
           </a:p>
@@ -4515,7 +4515,7 @@
             <a:fld id="{8E36636D-D922-432D-A958-524484B5923D}" type="datetimeFigureOut">
               <a:rPr lang="en-US" dirty="0"/>
               <a:pPr/>
-              <a:t>5/19/2019</a:t>
+              <a:t>5/20/2019</a:t>
             </a:fld>
             <a:endParaRPr lang="en-US" dirty="0"/>
           </a:p>
@@ -4767,7 +4767,7 @@
             <a:fld id="{8E36636D-D922-432D-A958-524484B5923D}" type="datetimeFigureOut">
               <a:rPr lang="en-US" dirty="0"/>
               <a:pPr/>
-              <a:t>5/19/2019</a:t>
+              <a:t>5/20/2019</a:t>
             </a:fld>
             <a:endParaRPr lang="en-US" dirty="0"/>
           </a:p>
@@ -5064,7 +5064,7 @@
             <a:fld id="{8E36636D-D922-432D-A958-524484B5923D}" type="datetimeFigureOut">
               <a:rPr lang="en-US" dirty="0"/>
               <a:pPr/>
-              <a:t>5/19/2019</a:t>
+              <a:t>5/20/2019</a:t>
             </a:fld>
             <a:endParaRPr lang="en-US" dirty="0"/>
           </a:p>
@@ -5295,7 +5295,7 @@
             <a:fld id="{8E36636D-D922-432D-A958-524484B5923D}" type="datetimeFigureOut">
               <a:rPr lang="en-US" dirty="0"/>
               <a:pPr/>
-              <a:t>5/19/2019</a:t>
+              <a:t>5/20/2019</a:t>
             </a:fld>
             <a:endParaRPr lang="en-US" dirty="0"/>
           </a:p>
@@ -5984,7 +5984,11 @@
           <a:p>
             <a:r>
               <a:rPr lang="ru-RU" sz="3600" dirty="0"/>
-              <a:t>Курсовая работа по.</a:t>
+              <a:t>Курсовая работа </a:t>
+            </a:r>
+            <a:r>
+              <a:rPr lang="ru-RU" sz="3600" dirty="0" smtClean="0"/>
+              <a:t>по .</a:t>
             </a:r>
             <a:r>
               <a:rPr lang="en-US" sz="3600" dirty="0"/>
@@ -6071,13 +6075,13 @@
   <p:clrMapOvr>
     <a:masterClrMapping/>
   </p:clrMapOvr>
-  <mc:AlternateContent xmlns:mc="http://schemas.openxmlformats.org/markup-compatibility/2006">
-    <mc:Choice xmlns:p14="http://schemas.microsoft.com/office/powerpoint/2010/main" Requires="p14">
+  <mc:AlternateContent xmlns:mc="http://schemas.openxmlformats.org/markup-compatibility/2006" xmlns:p14="http://schemas.microsoft.com/office/powerpoint/2010/main">
+    <mc:Choice Requires="p14">
       <p:transition spd="slow" p14:dur="3400">
         <p14:reveal/>
       </p:transition>
     </mc:Choice>
-    <mc:Fallback>
+    <mc:Fallback xmlns="">
       <p:transition spd="slow">
         <p:fade/>
       </p:transition>
@@ -6345,13 +6349,13 @@
   <p:clrMapOvr>
     <a:masterClrMapping/>
   </p:clrMapOvr>
-  <mc:AlternateContent xmlns:mc="http://schemas.openxmlformats.org/markup-compatibility/2006">
-    <mc:Choice xmlns:p14="http://schemas.microsoft.com/office/powerpoint/2010/main" Requires="p14">
+  <mc:AlternateContent xmlns:mc="http://schemas.openxmlformats.org/markup-compatibility/2006" xmlns:p14="http://schemas.microsoft.com/office/powerpoint/2010/main">
+    <mc:Choice Requires="p14">
       <p:transition spd="slow" p14:dur="3400">
         <p14:reveal/>
       </p:transition>
     </mc:Choice>
-    <mc:Fallback>
+    <mc:Fallback xmlns="">
       <p:transition spd="slow">
         <p:fade/>
       </p:transition>
@@ -6548,13 +6552,13 @@
   <p:clrMapOvr>
     <a:masterClrMapping/>
   </p:clrMapOvr>
-  <mc:AlternateContent xmlns:mc="http://schemas.openxmlformats.org/markup-compatibility/2006">
-    <mc:Choice xmlns:p14="http://schemas.microsoft.com/office/powerpoint/2010/main" Requires="p14">
+  <mc:AlternateContent xmlns:mc="http://schemas.openxmlformats.org/markup-compatibility/2006" xmlns:p14="http://schemas.microsoft.com/office/powerpoint/2010/main">
+    <mc:Choice Requires="p14">
       <p:transition spd="slow" p14:dur="3400">
         <p14:reveal/>
       </p:transition>
     </mc:Choice>
-    <mc:Fallback>
+    <mc:Fallback xmlns="">
       <p:transition spd="slow">
         <p:fade/>
       </p:transition>
@@ -6845,13 +6849,13 @@
   <p:clrMapOvr>
     <a:masterClrMapping/>
   </p:clrMapOvr>
-  <mc:AlternateContent xmlns:mc="http://schemas.openxmlformats.org/markup-compatibility/2006">
-    <mc:Choice xmlns:p14="http://schemas.microsoft.com/office/powerpoint/2010/main" Requires="p14">
+  <mc:AlternateContent xmlns:mc="http://schemas.openxmlformats.org/markup-compatibility/2006" xmlns:p14="http://schemas.microsoft.com/office/powerpoint/2010/main">
+    <mc:Choice Requires="p14">
       <p:transition spd="slow" p14:dur="3400">
         <p14:reveal/>
       </p:transition>
     </mc:Choice>
-    <mc:Fallback>
+    <mc:Fallback xmlns="">
       <p:transition spd="slow">
         <p:fade/>
       </p:transition>
@@ -7336,13 +7340,13 @@
   <p:clrMapOvr>
     <a:masterClrMapping/>
   </p:clrMapOvr>
-  <mc:AlternateContent xmlns:mc="http://schemas.openxmlformats.org/markup-compatibility/2006">
-    <mc:Choice xmlns:p14="http://schemas.microsoft.com/office/powerpoint/2010/main" Requires="p14">
+  <mc:AlternateContent xmlns:mc="http://schemas.openxmlformats.org/markup-compatibility/2006" xmlns:p14="http://schemas.microsoft.com/office/powerpoint/2010/main">
+    <mc:Choice Requires="p14">
       <p:transition spd="slow" p14:dur="3400">
         <p14:reveal/>
       </p:transition>
     </mc:Choice>
-    <mc:Fallback>
+    <mc:Fallback xmlns="">
       <p:transition spd="slow">
         <p:fade/>
       </p:transition>
@@ -7435,13 +7439,13 @@
   <p:clrMapOvr>
     <a:masterClrMapping/>
   </p:clrMapOvr>
-  <mc:AlternateContent xmlns:mc="http://schemas.openxmlformats.org/markup-compatibility/2006">
-    <mc:Choice xmlns:p14="http://schemas.microsoft.com/office/powerpoint/2010/main" Requires="p14">
+  <mc:AlternateContent xmlns:mc="http://schemas.openxmlformats.org/markup-compatibility/2006" xmlns:p14="http://schemas.microsoft.com/office/powerpoint/2010/main">
+    <mc:Choice Requires="p14">
       <p:transition spd="slow" p14:dur="3400">
         <p14:reveal/>
       </p:transition>
     </mc:Choice>
-    <mc:Fallback>
+    <mc:Fallback xmlns="">
       <p:transition spd="slow">
         <p:fade/>
       </p:transition>
@@ -7538,13 +7542,13 @@
   <p:clrMapOvr>
     <a:masterClrMapping/>
   </p:clrMapOvr>
-  <mc:AlternateContent xmlns:mc="http://schemas.openxmlformats.org/markup-compatibility/2006">
-    <mc:Choice xmlns:p14="http://schemas.microsoft.com/office/powerpoint/2010/main" Requires="p14">
+  <mc:AlternateContent xmlns:mc="http://schemas.openxmlformats.org/markup-compatibility/2006" xmlns:p14="http://schemas.microsoft.com/office/powerpoint/2010/main">
+    <mc:Choice Requires="p14">
       <p:transition spd="slow" p14:dur="3400">
         <p14:reveal/>
       </p:transition>
     </mc:Choice>
-    <mc:Fallback>
+    <mc:Fallback xmlns="">
       <p:transition spd="slow">
         <p:fade/>
       </p:transition>
@@ -8261,13 +8265,13 @@
   <p:clrMapOvr>
     <a:masterClrMapping/>
   </p:clrMapOvr>
-  <mc:AlternateContent xmlns:mc="http://schemas.openxmlformats.org/markup-compatibility/2006">
-    <mc:Choice xmlns:p14="http://schemas.microsoft.com/office/powerpoint/2010/main" Requires="p14">
+  <mc:AlternateContent xmlns:mc="http://schemas.openxmlformats.org/markup-compatibility/2006" xmlns:p14="http://schemas.microsoft.com/office/powerpoint/2010/main">
+    <mc:Choice Requires="p14">
       <p:transition spd="slow" p14:dur="3400">
         <p14:reveal/>
       </p:transition>
     </mc:Choice>
-    <mc:Fallback>
+    <mc:Fallback xmlns="">
       <p:transition spd="slow">
         <p:fade/>
       </p:transition>
@@ -8448,13 +8452,13 @@
   <p:clrMapOvr>
     <a:masterClrMapping/>
   </p:clrMapOvr>
-  <mc:AlternateContent xmlns:mc="http://schemas.openxmlformats.org/markup-compatibility/2006">
-    <mc:Choice xmlns:p14="http://schemas.microsoft.com/office/powerpoint/2010/main" Requires="p14">
+  <mc:AlternateContent xmlns:mc="http://schemas.openxmlformats.org/markup-compatibility/2006" xmlns:p14="http://schemas.microsoft.com/office/powerpoint/2010/main">
+    <mc:Choice Requires="p14">
       <p:transition spd="slow" p14:dur="3400">
         <p14:reveal/>
       </p:transition>
     </mc:Choice>
-    <mc:Fallback>
+    <mc:Fallback xmlns="">
       <p:transition spd="slow">
         <p:fade/>
       </p:transition>
@@ -8702,13 +8706,13 @@
   <p:clrMapOvr>
     <a:masterClrMapping/>
   </p:clrMapOvr>
-  <mc:AlternateContent xmlns:mc="http://schemas.openxmlformats.org/markup-compatibility/2006">
-    <mc:Choice xmlns:p14="http://schemas.microsoft.com/office/powerpoint/2010/main" Requires="p14">
+  <mc:AlternateContent xmlns:mc="http://schemas.openxmlformats.org/markup-compatibility/2006" xmlns:p14="http://schemas.microsoft.com/office/powerpoint/2010/main">
+    <mc:Choice Requires="p14">
       <p:transition spd="slow" p14:dur="3400">
         <p14:reveal/>
       </p:transition>
     </mc:Choice>
-    <mc:Fallback>
+    <mc:Fallback xmlns="">
       <p:transition spd="slow">
         <p:fade/>
       </p:transition>
@@ -9051,13 +9055,13 @@
   <p:clrMapOvr>
     <a:masterClrMapping/>
   </p:clrMapOvr>
-  <mc:AlternateContent xmlns:mc="http://schemas.openxmlformats.org/markup-compatibility/2006">
-    <mc:Choice xmlns:p14="http://schemas.microsoft.com/office/powerpoint/2010/main" Requires="p14">
+  <mc:AlternateContent xmlns:mc="http://schemas.openxmlformats.org/markup-compatibility/2006" xmlns:p14="http://schemas.microsoft.com/office/powerpoint/2010/main">
+    <mc:Choice Requires="p14">
       <p:transition spd="slow" p14:dur="3400">
         <p14:reveal/>
       </p:transition>
     </mc:Choice>
-    <mc:Fallback>
+    <mc:Fallback xmlns="">
       <p:transition spd="slow">
         <p:fade/>
       </p:transition>
@@ -9367,13 +9371,13 @@
   <p:clrMapOvr>
     <a:masterClrMapping/>
   </p:clrMapOvr>
-  <mc:AlternateContent xmlns:mc="http://schemas.openxmlformats.org/markup-compatibility/2006">
-    <mc:Choice xmlns:p14="http://schemas.microsoft.com/office/powerpoint/2010/main" Requires="p14">
+  <mc:AlternateContent xmlns:mc="http://schemas.openxmlformats.org/markup-compatibility/2006" xmlns:p14="http://schemas.microsoft.com/office/powerpoint/2010/main">
+    <mc:Choice Requires="p14">
       <p:transition spd="slow" p14:dur="3400">
         <p14:reveal/>
       </p:transition>
     </mc:Choice>
-    <mc:Fallback>
+    <mc:Fallback xmlns="">
       <p:transition spd="slow">
         <p:fade/>
       </p:transition>
